--- a/EntityFramework7.pptx
+++ b/EntityFramework7.pptx
@@ -6,10 +6,10 @@
     <p:sldMasterId id="2147484245" r:id="rId5"/>
   </p:sldMasterIdLst>
   <p:notesMasterIdLst>
-    <p:notesMasterId r:id="rId19"/>
+    <p:notesMasterId r:id="rId20"/>
   </p:notesMasterIdLst>
   <p:handoutMasterIdLst>
-    <p:handoutMasterId r:id="rId20"/>
+    <p:handoutMasterId r:id="rId21"/>
   </p:handoutMasterIdLst>
   <p:sldIdLst>
     <p:sldId id="1200" r:id="rId6"/>
@@ -23,8 +23,9 @@
     <p:sldId id="1193" r:id="rId14"/>
     <p:sldId id="1194" r:id="rId15"/>
     <p:sldId id="1195" r:id="rId16"/>
-    <p:sldId id="1196" r:id="rId17"/>
-    <p:sldId id="1166" r:id="rId18"/>
+    <p:sldId id="1203" r:id="rId17"/>
+    <p:sldId id="1196" r:id="rId18"/>
+    <p:sldId id="1166" r:id="rId19"/>
   </p:sldIdLst>
   <p:sldSz cx="9144000" cy="5143500" type="screen16x9"/>
   <p:notesSz cx="9144000" cy="6858000"/>
@@ -334,7 +335,7 @@
               <a:rPr lang="en-US" smtClean="0">
                 <a:latin typeface="Segoe UI" pitchFamily="34" charset="0"/>
               </a:rPr>
-              <a:t>11/6/2014</a:t>
+              <a:t>12/8/2014</a:t>
             </a:fld>
             <a:endParaRPr lang="en-US" dirty="0">
               <a:latin typeface="Segoe UI" pitchFamily="34" charset="0"/>
@@ -730,7 +731,7 @@
             <a:fld id="{D51B1278-D92B-4AF3-A9C1-71DD298190CE}" type="datetimeFigureOut">
               <a:rPr lang="en-US" smtClean="0"/>
               <a:pPr/>
-              <a:t>11/6/2014</a:t>
+              <a:t>12/8/2014</a:t>
             </a:fld>
             <a:endParaRPr lang="en-US" dirty="0"/>
           </a:p>
@@ -6337,6 +6338,157 @@
           <a:p>
             <a:r>
               <a:rPr lang="en-US" sz="3600" dirty="0" smtClean="0"/>
+              <a:t>Shadow state properties</a:t>
+            </a:r>
+            <a:endParaRPr lang="en-US" sz="3600" dirty="0"/>
+          </a:p>
+        </p:txBody>
+      </p:sp>
+      <p:pic>
+        <p:nvPicPr>
+          <p:cNvPr id="7" name="Picture 6" descr="Native.png"/>
+          <p:cNvPicPr>
+            <a:picLocks noChangeAspect="1"/>
+          </p:cNvPicPr>
+          <p:nvPr/>
+        </p:nvPicPr>
+        <p:blipFill>
+          <a:blip r:embed="rId2">
+            <a:extLst>
+              <a:ext uri="{28A0092B-C50C-407E-A947-70E740481C1C}">
+                <a14:useLocalDpi xmlns:a14="http://schemas.microsoft.com/office/drawing/2010/main" val="0"/>
+              </a:ext>
+            </a:extLst>
+          </a:blip>
+          <a:stretch>
+            <a:fillRect/>
+          </a:stretch>
+        </p:blipFill>
+        <p:spPr>
+          <a:xfrm>
+            <a:off x="0" y="2590035"/>
+            <a:ext cx="3105211" cy="2399480"/>
+          </a:xfrm>
+          <a:prstGeom prst="rect">
+            <a:avLst/>
+          </a:prstGeom>
+        </p:spPr>
+      </p:pic>
+    </p:spTree>
+    <p:extLst>
+      <p:ext uri="{BB962C8B-B14F-4D97-AF65-F5344CB8AC3E}">
+        <p14:creationId xmlns:p14="http://schemas.microsoft.com/office/powerpoint/2010/main" val="2154038908"/>
+      </p:ext>
+    </p:extLst>
+  </p:cSld>
+  <p:clrMapOvr>
+    <a:masterClrMapping/>
+  </p:clrMapOvr>
+  <p:transition>
+    <p:fade/>
+  </p:transition>
+  <p:timing>
+    <p:tnLst>
+      <p:par>
+        <p:cTn id="1" dur="indefinite" restart="never" nodeType="tmRoot"/>
+      </p:par>
+    </p:tnLst>
+  </p:timing>
+</p:sld>
+</file>
+
+<file path=ppt/slides/slide13.xml><?xml version="1.0" encoding="utf-8"?>
+<p:sld xmlns:a="http://schemas.openxmlformats.org/drawingml/2006/main" xmlns:r="http://schemas.openxmlformats.org/officeDocument/2006/relationships" xmlns:p="http://schemas.openxmlformats.org/presentationml/2006/main">
+  <p:cSld>
+    <p:spTree>
+      <p:nvGrpSpPr>
+        <p:cNvPr id="1" name=""/>
+        <p:cNvGrpSpPr/>
+        <p:nvPr/>
+      </p:nvGrpSpPr>
+      <p:grpSpPr>
+        <a:xfrm>
+          <a:off x="0" y="0"/>
+          <a:ext cx="0" cy="0"/>
+          <a:chOff x="0" y="0"/>
+          <a:chExt cx="0" cy="0"/>
+        </a:xfrm>
+      </p:grpSpPr>
+      <p:sp>
+        <p:nvSpPr>
+          <p:cNvPr id="2" name="Title 1"/>
+          <p:cNvSpPr>
+            <a:spLocks noGrp="1"/>
+          </p:cNvSpPr>
+          <p:nvPr>
+            <p:ph type="title"/>
+          </p:nvPr>
+        </p:nvSpPr>
+        <p:spPr>
+          <a:xfrm>
+            <a:off x="269263" y="217136"/>
+            <a:ext cx="8600807" cy="956668"/>
+          </a:xfrm>
+        </p:spPr>
+        <p:txBody>
+          <a:bodyPr/>
+          <a:lstStyle/>
+          <a:p>
+            <a:r>
+              <a:rPr lang="en-US" sz="6400" dirty="0" smtClean="0"/>
+              <a:t>Demo</a:t>
+            </a:r>
+            <a:endParaRPr lang="en-US" sz="6400" dirty="0"/>
+          </a:p>
+        </p:txBody>
+      </p:sp>
+      <p:sp>
+        <p:nvSpPr>
+          <p:cNvPr id="6" name="Title 1"/>
+          <p:cNvSpPr txBox="1">
+            <a:spLocks/>
+          </p:cNvSpPr>
+          <p:nvPr/>
+        </p:nvSpPr>
+        <p:spPr>
+          <a:xfrm>
+            <a:off x="308173" y="1067094"/>
+            <a:ext cx="8600807" cy="956668"/>
+          </a:xfrm>
+          <a:prstGeom prst="rect">
+            <a:avLst/>
+          </a:prstGeom>
+        </p:spPr>
+        <p:txBody>
+          <a:bodyPr vert="horz" wrap="square" lIns="107536" tIns="67211" rIns="107536" bIns="67211" rtlCol="0" anchor="t">
+            <a:noAutofit/>
+          </a:bodyPr>
+          <a:lstStyle>
+            <a:lvl1pPr algn="l" defTabSz="685585" rtl="0" eaLnBrk="1" latinLnBrk="0" hangingPunct="1">
+              <a:lnSpc>
+                <a:spcPct val="90000"/>
+              </a:lnSpc>
+              <a:spcBef>
+                <a:spcPct val="0"/>
+              </a:spcBef>
+              <a:buNone/>
+              <a:defRPr lang="en-US" sz="3900" b="0" kern="1200" cap="none" spc="-75" baseline="0" dirty="0" smtClean="0">
+                <a:ln w="3175">
+                  <a:noFill/>
+                </a:ln>
+                <a:solidFill>
+                  <a:srgbClr val="616161"/>
+                </a:solidFill>
+                <a:effectLst/>
+                <a:latin typeface="+mj-lt"/>
+                <a:ea typeface="+mn-ea"/>
+                <a:cs typeface="Segoe UI" pitchFamily="34" charset="0"/>
+              </a:defRPr>
+            </a:lvl1pPr>
+          </a:lstStyle>
+          <a:p>
+            <a:r>
+              <a:rPr lang="en-US" sz="3600" dirty="0" smtClean="0"/>
               <a:t>Azure Table Storage</a:t>
             </a:r>
             <a:endParaRPr lang="en-US" sz="3600" dirty="0"/>
@@ -6396,7 +6548,7 @@
 </p:sld>
 </file>
 
-<file path=ppt/slides/slide13.xml><?xml version="1.0" encoding="utf-8"?>
+<file path=ppt/slides/slide14.xml><?xml version="1.0" encoding="utf-8"?>
 <p:sld xmlns:a="http://schemas.openxmlformats.org/drawingml/2006/main" xmlns:r="http://schemas.openxmlformats.org/officeDocument/2006/relationships" xmlns:p="http://schemas.openxmlformats.org/presentationml/2006/main">
   <p:cSld>
     <p:spTree>
@@ -9276,13 +9428,13 @@
   <p:clrMapOvr>
     <a:masterClrMapping/>
   </p:clrMapOvr>
-  <mc:AlternateContent xmlns:mc="http://schemas.openxmlformats.org/markup-compatibility/2006">
-    <mc:Choice xmlns:p14="http://schemas.microsoft.com/office/powerpoint/2010/main" Requires="p14">
+  <mc:AlternateContent xmlns:mc="http://schemas.openxmlformats.org/markup-compatibility/2006" xmlns:p14="http://schemas.microsoft.com/office/powerpoint/2010/main">
+    <mc:Choice Requires="p14">
       <p:transition spd="med" p14:dur="700">
         <p:fade/>
       </p:transition>
     </mc:Choice>
-    <mc:Fallback>
+    <mc:Fallback xmlns="">
       <p:transition spd="med">
         <p:fade/>
       </p:transition>
@@ -14270,12 +14422,9 @@
 </file>
 
 <file path=customXml/item1.xml><?xml version="1.0" encoding="utf-8"?>
-<?mso-contentType ?>
-<FormTemplates xmlns="http://schemas.microsoft.com/sharepoint/v3/contenttype/forms">
-  <Display>DocumentLibraryForm</Display>
-  <Edit>DocumentLibraryForm</Edit>
-  <New>DocumentLibraryForm</New>
-</FormTemplates>
+<p:properties xmlns:p="http://schemas.microsoft.com/office/2006/metadata/properties" xmlns:xsi="http://www.w3.org/2001/XMLSchema-instance" xmlns:pc="http://schemas.microsoft.com/office/infopath/2007/PartnerControls">
+  <documentManagement/>
+</p:properties>
 </file>
 
 <file path=customXml/item2.xml><?xml version="1.0" encoding="utf-8"?>
@@ -14419,15 +14568,19 @@
 </file>
 
 <file path=customXml/item3.xml><?xml version="1.0" encoding="utf-8"?>
-<p:properties xmlns:p="http://schemas.microsoft.com/office/2006/metadata/properties" xmlns:xsi="http://www.w3.org/2001/XMLSchema-instance" xmlns:pc="http://schemas.microsoft.com/office/infopath/2007/PartnerControls">
-  <documentManagement/>
-</p:properties>
+<?mso-contentType ?>
+<FormTemplates xmlns="http://schemas.microsoft.com/sharepoint/v3/contenttype/forms">
+  <Display>DocumentLibraryForm</Display>
+  <Edit>DocumentLibraryForm</Edit>
+  <New>DocumentLibraryForm</New>
+</FormTemplates>
 </file>
 
 <file path=customXml/itemProps1.xml><?xml version="1.0" encoding="utf-8"?>
-<ds:datastoreItem xmlns:ds="http://schemas.openxmlformats.org/officeDocument/2006/customXml" ds:itemID="{758FDAC0-319D-4A54-8D8E-1D42CB1F8004}">
+<ds:datastoreItem xmlns:ds="http://schemas.openxmlformats.org/officeDocument/2006/customXml" ds:itemID="{F990F116-B58F-4255-B05B-DA3808E0E5C6}">
   <ds:schemaRefs>
-    <ds:schemaRef ds:uri="http://schemas.microsoft.com/sharepoint/v3/contenttype/forms"/>
+    <ds:schemaRef ds:uri="http://schemas.microsoft.com/office/2006/metadata/properties"/>
+    <ds:schemaRef ds:uri="http://schemas.microsoft.com/office/infopath/2007/PartnerControls"/>
   </ds:schemaRefs>
 </ds:datastoreItem>
 </file>
@@ -14451,10 +14604,9 @@
 </file>
 
 <file path=customXml/itemProps3.xml><?xml version="1.0" encoding="utf-8"?>
-<ds:datastoreItem xmlns:ds="http://schemas.openxmlformats.org/officeDocument/2006/customXml" ds:itemID="{F990F116-B58F-4255-B05B-DA3808E0E5C6}">
+<ds:datastoreItem xmlns:ds="http://schemas.openxmlformats.org/officeDocument/2006/customXml" ds:itemID="{758FDAC0-319D-4A54-8D8E-1D42CB1F8004}">
   <ds:schemaRefs>
-    <ds:schemaRef ds:uri="http://schemas.microsoft.com/office/2006/metadata/properties"/>
-    <ds:schemaRef ds:uri="http://schemas.microsoft.com/office/infopath/2007/PartnerControls"/>
+    <ds:schemaRef ds:uri="http://schemas.microsoft.com/sharepoint/v3/contenttype/forms"/>
   </ds:schemaRefs>
 </ds:datastoreItem>
 </file>
--- a/EntityFramework7.pptx
+++ b/EntityFramework7.pptx
@@ -6,10 +6,10 @@
     <p:sldMasterId id="2147484245" r:id="rId5"/>
   </p:sldMasterIdLst>
   <p:notesMasterIdLst>
-    <p:notesMasterId r:id="rId20"/>
+    <p:notesMasterId r:id="rId21"/>
   </p:notesMasterIdLst>
   <p:handoutMasterIdLst>
-    <p:handoutMasterId r:id="rId21"/>
+    <p:handoutMasterId r:id="rId22"/>
   </p:handoutMasterIdLst>
   <p:sldIdLst>
     <p:sldId id="1200" r:id="rId6"/>
@@ -20,12 +20,13 @@
     <p:sldId id="1202" r:id="rId11"/>
     <p:sldId id="1197" r:id="rId12"/>
     <p:sldId id="1198" r:id="rId13"/>
-    <p:sldId id="1193" r:id="rId14"/>
-    <p:sldId id="1194" r:id="rId15"/>
-    <p:sldId id="1195" r:id="rId16"/>
-    <p:sldId id="1203" r:id="rId17"/>
-    <p:sldId id="1196" r:id="rId18"/>
-    <p:sldId id="1166" r:id="rId19"/>
+    <p:sldId id="1204" r:id="rId14"/>
+    <p:sldId id="1193" r:id="rId15"/>
+    <p:sldId id="1194" r:id="rId16"/>
+    <p:sldId id="1195" r:id="rId17"/>
+    <p:sldId id="1203" r:id="rId18"/>
+    <p:sldId id="1196" r:id="rId19"/>
+    <p:sldId id="1166" r:id="rId20"/>
   </p:sldIdLst>
   <p:sldSz cx="9144000" cy="5143500" type="screen16x9"/>
   <p:notesSz cx="9144000" cy="6858000"/>
@@ -335,7 +336,7 @@
               <a:rPr lang="en-US" smtClean="0">
                 <a:latin typeface="Segoe UI" pitchFamily="34" charset="0"/>
               </a:rPr>
-              <a:t>12/8/2014</a:t>
+              <a:t>2/6/2015</a:t>
             </a:fld>
             <a:endParaRPr lang="en-US" dirty="0">
               <a:latin typeface="Segoe UI" pitchFamily="34" charset="0"/>
@@ -731,7 +732,7 @@
             <a:fld id="{D51B1278-D92B-4AF3-A9C1-71DD298190CE}" type="datetimeFigureOut">
               <a:rPr lang="en-US" smtClean="0"/>
               <a:pPr/>
-              <a:t>12/8/2014</a:t>
+              <a:t>2/6/2015</a:t>
             </a:fld>
             <a:endParaRPr lang="en-US" dirty="0"/>
           </a:p>
@@ -3796,6 +3797,398 @@
   <p:transition>
     <p:fade/>
   </p:transition>
+  <p:timing>
+    <p:tnLst>
+      <p:par>
+        <p:cTn id="1" dur="indefinite" restart="never" nodeType="tmRoot"/>
+      </p:par>
+    </p:tnLst>
+  </p:timing>
+</p:sldLayout>
+</file>
+
+<file path=ppt/slideLayouts/slideLayout23.xml><?xml version="1.0" encoding="utf-8"?>
+<p:sldLayout xmlns:a="http://schemas.openxmlformats.org/drawingml/2006/main" xmlns:r="http://schemas.openxmlformats.org/officeDocument/2006/relationships" xmlns:p="http://schemas.openxmlformats.org/presentationml/2006/main" userDrawn="1">
+  <p:cSld name="Comparison">
+    <p:spTree>
+      <p:nvGrpSpPr>
+        <p:cNvPr id="1" name=""/>
+        <p:cNvGrpSpPr/>
+        <p:nvPr/>
+      </p:nvGrpSpPr>
+      <p:grpSpPr>
+        <a:xfrm>
+          <a:off x="0" y="0"/>
+          <a:ext cx="0" cy="0"/>
+          <a:chOff x="0" y="0"/>
+          <a:chExt cx="0" cy="0"/>
+        </a:xfrm>
+      </p:grpSpPr>
+      <p:sp>
+        <p:nvSpPr>
+          <p:cNvPr id="3" name="Text Placeholder 2"/>
+          <p:cNvSpPr>
+            <a:spLocks noGrp="1"/>
+          </p:cNvSpPr>
+          <p:nvPr>
+            <p:ph type="body" idx="1"/>
+          </p:nvPr>
+        </p:nvSpPr>
+        <p:spPr>
+          <a:xfrm>
+            <a:off x="284633" y="997992"/>
+            <a:ext cx="4212686" cy="479821"/>
+          </a:xfrm>
+          <a:prstGeom prst="rect">
+            <a:avLst/>
+          </a:prstGeom>
+          <a:solidFill>
+            <a:srgbClr val="86C400"/>
+          </a:solidFill>
+        </p:spPr>
+        <p:txBody>
+          <a:bodyPr anchor="b">
+            <a:normAutofit/>
+          </a:bodyPr>
+          <a:lstStyle>
+            <a:lvl1pPr marL="0" indent="0">
+              <a:buNone/>
+              <a:defRPr sz="2400" b="1">
+                <a:solidFill>
+                  <a:schemeClr val="bg1"/>
+                </a:solidFill>
+                <a:effectLst/>
+              </a:defRPr>
+            </a:lvl1pPr>
+            <a:lvl2pPr marL="342752" indent="0">
+              <a:buNone/>
+              <a:defRPr sz="1500" b="1"/>
+            </a:lvl2pPr>
+            <a:lvl3pPr marL="685504" indent="0">
+              <a:buNone/>
+              <a:defRPr sz="1350" b="1"/>
+            </a:lvl3pPr>
+            <a:lvl4pPr marL="1028257" indent="0">
+              <a:buNone/>
+              <a:defRPr sz="1200" b="1"/>
+            </a:lvl4pPr>
+            <a:lvl5pPr marL="1371010" indent="0">
+              <a:buNone/>
+              <a:defRPr sz="1200" b="1"/>
+            </a:lvl5pPr>
+            <a:lvl6pPr marL="1713762" indent="0">
+              <a:buNone/>
+              <a:defRPr sz="1200" b="1"/>
+            </a:lvl6pPr>
+            <a:lvl7pPr marL="2056515" indent="0">
+              <a:buNone/>
+              <a:defRPr sz="1200" b="1"/>
+            </a:lvl7pPr>
+            <a:lvl8pPr marL="2399267" indent="0">
+              <a:buNone/>
+              <a:defRPr sz="1200" b="1"/>
+            </a:lvl8pPr>
+            <a:lvl9pPr marL="2742022" indent="0">
+              <a:buNone/>
+              <a:defRPr sz="1200" b="1"/>
+            </a:lvl9pPr>
+          </a:lstStyle>
+          <a:p>
+            <a:pPr lvl="0"/>
+            <a:r>
+              <a:rPr lang="en-US" dirty="0" smtClean="0"/>
+              <a:t>Click to edit Master text styles</a:t>
+            </a:r>
+          </a:p>
+        </p:txBody>
+      </p:sp>
+      <p:sp>
+        <p:nvSpPr>
+          <p:cNvPr id="4" name="Content Placeholder 3"/>
+          <p:cNvSpPr>
+            <a:spLocks noGrp="1"/>
+          </p:cNvSpPr>
+          <p:nvPr>
+            <p:ph sz="half" idx="2"/>
+          </p:nvPr>
+        </p:nvSpPr>
+        <p:spPr>
+          <a:xfrm>
+            <a:off x="284633" y="1485900"/>
+            <a:ext cx="4212686" cy="1442315"/>
+          </a:xfrm>
+          <a:prstGeom prst="rect">
+            <a:avLst/>
+          </a:prstGeom>
+        </p:spPr>
+        <p:txBody>
+          <a:bodyPr/>
+          <a:lstStyle>
+            <a:lvl1pPr>
+              <a:defRPr sz="2100"/>
+            </a:lvl1pPr>
+            <a:lvl2pPr>
+              <a:defRPr sz="1800"/>
+            </a:lvl2pPr>
+            <a:lvl3pPr>
+              <a:defRPr sz="1500"/>
+            </a:lvl3pPr>
+            <a:lvl4pPr>
+              <a:defRPr sz="1350"/>
+            </a:lvl4pPr>
+            <a:lvl5pPr>
+              <a:defRPr sz="1350"/>
+            </a:lvl5pPr>
+            <a:lvl6pPr>
+              <a:defRPr sz="1200"/>
+            </a:lvl6pPr>
+            <a:lvl7pPr>
+              <a:defRPr sz="1200"/>
+            </a:lvl7pPr>
+            <a:lvl8pPr>
+              <a:defRPr sz="1200"/>
+            </a:lvl8pPr>
+            <a:lvl9pPr>
+              <a:defRPr sz="1200"/>
+            </a:lvl9pPr>
+          </a:lstStyle>
+          <a:p>
+            <a:pPr lvl="0"/>
+            <a:r>
+              <a:rPr lang="en-US" dirty="0" smtClean="0"/>
+              <a:t>Click to edit Master text styles</a:t>
+            </a:r>
+          </a:p>
+          <a:p>
+            <a:pPr lvl="1"/>
+            <a:r>
+              <a:rPr lang="en-US" dirty="0" smtClean="0"/>
+              <a:t>Second level</a:t>
+            </a:r>
+          </a:p>
+          <a:p>
+            <a:pPr lvl="2"/>
+            <a:r>
+              <a:rPr lang="en-US" dirty="0" smtClean="0"/>
+              <a:t>Third level</a:t>
+            </a:r>
+          </a:p>
+          <a:p>
+            <a:pPr lvl="3"/>
+            <a:r>
+              <a:rPr lang="en-US" dirty="0" smtClean="0"/>
+              <a:t>Fourth level</a:t>
+            </a:r>
+          </a:p>
+          <a:p>
+            <a:pPr lvl="4"/>
+            <a:r>
+              <a:rPr lang="en-US" dirty="0" smtClean="0"/>
+              <a:t>Fifth level</a:t>
+            </a:r>
+            <a:endParaRPr lang="en-US" dirty="0"/>
+          </a:p>
+        </p:txBody>
+      </p:sp>
+      <p:sp>
+        <p:nvSpPr>
+          <p:cNvPr id="5" name="Text Placeholder 4"/>
+          <p:cNvSpPr>
+            <a:spLocks noGrp="1"/>
+          </p:cNvSpPr>
+          <p:nvPr>
+            <p:ph type="body" sz="quarter" idx="3"/>
+          </p:nvPr>
+        </p:nvSpPr>
+        <p:spPr>
+          <a:xfrm>
+            <a:off x="4759355" y="997992"/>
+            <a:ext cx="4214341" cy="479821"/>
+          </a:xfrm>
+          <a:prstGeom prst="rect">
+            <a:avLst/>
+          </a:prstGeom>
+          <a:solidFill>
+            <a:srgbClr val="1F497D"/>
+          </a:solidFill>
+        </p:spPr>
+        <p:txBody>
+          <a:bodyPr anchor="b">
+            <a:normAutofit/>
+          </a:bodyPr>
+          <a:lstStyle>
+            <a:lvl1pPr marL="0" indent="0">
+              <a:buNone/>
+              <a:defRPr sz="2400" b="1">
+                <a:solidFill>
+                  <a:schemeClr val="bg1"/>
+                </a:solidFill>
+                <a:effectLst/>
+              </a:defRPr>
+            </a:lvl1pPr>
+            <a:lvl2pPr marL="342752" indent="0">
+              <a:buNone/>
+              <a:defRPr sz="1500" b="1"/>
+            </a:lvl2pPr>
+            <a:lvl3pPr marL="685504" indent="0">
+              <a:buNone/>
+              <a:defRPr sz="1350" b="1"/>
+            </a:lvl3pPr>
+            <a:lvl4pPr marL="1028257" indent="0">
+              <a:buNone/>
+              <a:defRPr sz="1200" b="1"/>
+            </a:lvl4pPr>
+            <a:lvl5pPr marL="1371010" indent="0">
+              <a:buNone/>
+              <a:defRPr sz="1200" b="1"/>
+            </a:lvl5pPr>
+            <a:lvl6pPr marL="1713762" indent="0">
+              <a:buNone/>
+              <a:defRPr sz="1200" b="1"/>
+            </a:lvl6pPr>
+            <a:lvl7pPr marL="2056515" indent="0">
+              <a:buNone/>
+              <a:defRPr sz="1200" b="1"/>
+            </a:lvl7pPr>
+            <a:lvl8pPr marL="2399267" indent="0">
+              <a:buNone/>
+              <a:defRPr sz="1200" b="1"/>
+            </a:lvl8pPr>
+            <a:lvl9pPr marL="2742022" indent="0">
+              <a:buNone/>
+              <a:defRPr sz="1200" b="1"/>
+            </a:lvl9pPr>
+          </a:lstStyle>
+          <a:p>
+            <a:pPr lvl="0"/>
+            <a:r>
+              <a:rPr lang="en-US" dirty="0" smtClean="0"/>
+              <a:t>Click to edit Master text styles</a:t>
+            </a:r>
+          </a:p>
+        </p:txBody>
+      </p:sp>
+      <p:sp>
+        <p:nvSpPr>
+          <p:cNvPr id="6" name="Content Placeholder 5"/>
+          <p:cNvSpPr>
+            <a:spLocks noGrp="1"/>
+          </p:cNvSpPr>
+          <p:nvPr>
+            <p:ph sz="quarter" idx="4"/>
+          </p:nvPr>
+        </p:nvSpPr>
+        <p:spPr>
+          <a:xfrm>
+            <a:off x="4759355" y="1485900"/>
+            <a:ext cx="4214341" cy="1442315"/>
+          </a:xfrm>
+          <a:prstGeom prst="rect">
+            <a:avLst/>
+          </a:prstGeom>
+        </p:spPr>
+        <p:txBody>
+          <a:bodyPr/>
+          <a:lstStyle>
+            <a:lvl1pPr>
+              <a:defRPr sz="2100"/>
+            </a:lvl1pPr>
+            <a:lvl2pPr>
+              <a:defRPr sz="1800"/>
+            </a:lvl2pPr>
+            <a:lvl3pPr>
+              <a:defRPr sz="1500"/>
+            </a:lvl3pPr>
+            <a:lvl4pPr>
+              <a:defRPr sz="1350"/>
+            </a:lvl4pPr>
+            <a:lvl5pPr>
+              <a:defRPr sz="1350"/>
+            </a:lvl5pPr>
+            <a:lvl6pPr>
+              <a:defRPr sz="1200"/>
+            </a:lvl6pPr>
+            <a:lvl7pPr>
+              <a:defRPr sz="1200"/>
+            </a:lvl7pPr>
+            <a:lvl8pPr>
+              <a:defRPr sz="1200"/>
+            </a:lvl8pPr>
+            <a:lvl9pPr>
+              <a:defRPr sz="1200"/>
+            </a:lvl9pPr>
+          </a:lstStyle>
+          <a:p>
+            <a:pPr lvl="0"/>
+            <a:r>
+              <a:rPr lang="en-US" dirty="0" smtClean="0"/>
+              <a:t>Click to edit Master text styles</a:t>
+            </a:r>
+          </a:p>
+          <a:p>
+            <a:pPr lvl="1"/>
+            <a:r>
+              <a:rPr lang="en-US" dirty="0" smtClean="0"/>
+              <a:t>Second level</a:t>
+            </a:r>
+          </a:p>
+          <a:p>
+            <a:pPr lvl="2"/>
+            <a:r>
+              <a:rPr lang="en-US" dirty="0" smtClean="0"/>
+              <a:t>Third level</a:t>
+            </a:r>
+          </a:p>
+          <a:p>
+            <a:pPr lvl="3"/>
+            <a:r>
+              <a:rPr lang="en-US" dirty="0" smtClean="0"/>
+              <a:t>Fourth level</a:t>
+            </a:r>
+          </a:p>
+          <a:p>
+            <a:pPr lvl="4"/>
+            <a:r>
+              <a:rPr lang="en-US" dirty="0" smtClean="0"/>
+              <a:t>Fifth level</a:t>
+            </a:r>
+            <a:endParaRPr lang="en-US" dirty="0"/>
+          </a:p>
+        </p:txBody>
+      </p:sp>
+      <p:sp>
+        <p:nvSpPr>
+          <p:cNvPr id="2" name="Title 1"/>
+          <p:cNvSpPr>
+            <a:spLocks noGrp="1"/>
+          </p:cNvSpPr>
+          <p:nvPr>
+            <p:ph type="title"/>
+          </p:nvPr>
+        </p:nvSpPr>
+        <p:spPr/>
+        <p:txBody>
+          <a:bodyPr/>
+          <a:lstStyle/>
+          <a:p>
+            <a:r>
+              <a:rPr lang="en-US" smtClean="0"/>
+              <a:t>Click to edit Master title style</a:t>
+            </a:r>
+            <a:endParaRPr lang="en-US"/>
+          </a:p>
+        </p:txBody>
+      </p:sp>
+    </p:spTree>
+    <p:extLst>
+      <p:ext uri="{BB962C8B-B14F-4D97-AF65-F5344CB8AC3E}">
+        <p14:creationId xmlns:p14="http://schemas.microsoft.com/office/powerpoint/2010/main" val="2590968932"/>
+      </p:ext>
+    </p:extLst>
+  </p:cSld>
+  <p:clrMapOvr>
+    <a:masterClrMapping/>
+  </p:clrMapOvr>
   <p:timing>
     <p:tnLst>
       <p:par>
@@ -5241,6 +5634,7 @@
     <p:sldLayoutId id="2147484258" r:id="rId10"/>
     <p:sldLayoutId id="2147484259" r:id="rId11"/>
     <p:sldLayoutId id="2147484260" r:id="rId12"/>
+    <p:sldLayoutId id="2147484266" r:id="rId13"/>
   </p:sldLayoutIdLst>
   <p:transition>
     <p:fade/>
@@ -5679,52 +6073,243 @@
       </p:sp>
       <p:grpSp>
         <p:nvGrpSpPr>
-          <p:cNvPr id="42" name="Group 41"/>
+          <p:cNvPr id="4" name="Group 3"/>
           <p:cNvGrpSpPr/>
           <p:nvPr/>
         </p:nvGrpSpPr>
         <p:grpSpPr>
           <a:xfrm>
-            <a:off x="5621249" y="1338396"/>
-            <a:ext cx="2975744" cy="2053034"/>
-            <a:chOff x="4715013" y="971981"/>
-            <a:chExt cx="3539080" cy="2371010"/>
+            <a:off x="5888869" y="2270714"/>
+            <a:ext cx="2711606" cy="1874010"/>
+            <a:chOff x="715795" y="633745"/>
+            <a:chExt cx="7810584" cy="5397949"/>
           </a:xfrm>
         </p:grpSpPr>
-        <p:pic>
-          <p:nvPicPr>
-            <p:cNvPr id="23" name="Picture 22"/>
-            <p:cNvPicPr>
-              <a:picLocks noChangeAspect="1"/>
-            </p:cNvPicPr>
+        <p:sp>
+          <p:nvSpPr>
+            <p:cNvPr id="10" name="Rounded Rectangle 9"/>
+            <p:cNvSpPr/>
             <p:nvPr/>
-          </p:nvPicPr>
-          <p:blipFill>
-            <a:blip r:embed="rId2"/>
-            <a:stretch>
-              <a:fillRect/>
-            </a:stretch>
-          </p:blipFill>
-          <p:spPr>
+          </p:nvSpPr>
+          <p:spPr bwMode="auto">
             <a:xfrm>
-              <a:off x="4715013" y="971981"/>
-              <a:ext cx="3539080" cy="2371010"/>
+              <a:off x="715795" y="633745"/>
+              <a:ext cx="7810584" cy="5397949"/>
+            </a:xfrm>
+            <a:prstGeom prst="roundRect">
+              <a:avLst>
+                <a:gd name="adj" fmla="val 4707"/>
+              </a:avLst>
+            </a:prstGeom>
+            <a:solidFill>
+              <a:srgbClr val="6CC3EB"/>
+            </a:solidFill>
+            <a:ln w="3175">
+              <a:noFill/>
+              <a:headEnd type="none" w="med" len="med"/>
+              <a:tailEnd type="none" w="med" len="med"/>
+            </a:ln>
+          </p:spPr>
+          <p:style>
+            <a:lnRef idx="2">
+              <a:schemeClr val="accent1">
+                <a:shade val="50000"/>
+              </a:schemeClr>
+            </a:lnRef>
+            <a:fillRef idx="1">
+              <a:schemeClr val="accent1"/>
+            </a:fillRef>
+            <a:effectRef idx="0">
+              <a:schemeClr val="accent1"/>
+            </a:effectRef>
+            <a:fontRef idx="minor">
+              <a:schemeClr val="lt1"/>
+            </a:fontRef>
+          </p:style>
+          <p:txBody>
+            <a:bodyPr vert="horz" wrap="square" lIns="0" tIns="46637" rIns="0" bIns="46637" numCol="1" rtlCol="0" anchor="ctr" anchorCtr="0" compatLnSpc="1">
+              <a:prstTxWarp prst="textNoShape">
+                <a:avLst/>
+              </a:prstTxWarp>
+            </a:bodyPr>
+            <a:lstStyle/>
+            <a:p>
+              <a:pPr algn="ctr" defTabSz="932472" fontAlgn="base">
+                <a:spcBef>
+                  <a:spcPct val="0"/>
+                </a:spcBef>
+                <a:spcAft>
+                  <a:spcPct val="0"/>
+                </a:spcAft>
+              </a:pPr>
+              <a:endParaRPr lang="en-US" sz="2000" dirty="0">
+                <a:gradFill>
+                  <a:gsLst>
+                    <a:gs pos="0">
+                      <a:srgbClr val="FFFFFF"/>
+                    </a:gs>
+                    <a:gs pos="100000">
+                      <a:srgbClr val="FFFFFF"/>
+                    </a:gs>
+                  </a:gsLst>
+                  <a:lin ang="5400000" scaled="0"/>
+                </a:gradFill>
+              </a:endParaRPr>
+            </a:p>
+          </p:txBody>
+        </p:sp>
+        <p:sp>
+          <p:nvSpPr>
+            <p:cNvPr id="11" name="Rectangle 10"/>
+            <p:cNvSpPr/>
+            <p:nvPr/>
+          </p:nvSpPr>
+          <p:spPr bwMode="auto">
+            <a:xfrm>
+              <a:off x="1186177" y="1097416"/>
+              <a:ext cx="6869818" cy="4106937"/>
             </a:xfrm>
             <a:prstGeom prst="rect">
               <a:avLst/>
             </a:prstGeom>
+            <a:solidFill>
+              <a:srgbClr val="442259"/>
+            </a:solidFill>
+            <a:ln w="3175">
+              <a:noFill/>
+              <a:headEnd type="none" w="med" len="med"/>
+              <a:tailEnd type="none" w="med" len="med"/>
+            </a:ln>
           </p:spPr>
-        </p:pic>
+          <p:style>
+            <a:lnRef idx="2">
+              <a:schemeClr val="accent1">
+                <a:shade val="50000"/>
+              </a:schemeClr>
+            </a:lnRef>
+            <a:fillRef idx="1">
+              <a:schemeClr val="accent1"/>
+            </a:fillRef>
+            <a:effectRef idx="0">
+              <a:schemeClr val="accent1"/>
+            </a:effectRef>
+            <a:fontRef idx="minor">
+              <a:schemeClr val="lt1"/>
+            </a:fontRef>
+          </p:style>
+          <p:txBody>
+            <a:bodyPr vert="horz" wrap="square" lIns="0" tIns="46637" rIns="0" bIns="46637" numCol="1" rtlCol="0" anchor="ctr" anchorCtr="0" compatLnSpc="1">
+              <a:prstTxWarp prst="textNoShape">
+                <a:avLst/>
+              </a:prstTxWarp>
+            </a:bodyPr>
+            <a:lstStyle/>
+            <a:p>
+              <a:pPr algn="ctr" defTabSz="932472" fontAlgn="base">
+                <a:spcBef>
+                  <a:spcPct val="0"/>
+                </a:spcBef>
+                <a:spcAft>
+                  <a:spcPct val="0"/>
+                </a:spcAft>
+              </a:pPr>
+              <a:endParaRPr lang="en-US" sz="2000" dirty="0">
+                <a:gradFill>
+                  <a:gsLst>
+                    <a:gs pos="0">
+                      <a:srgbClr val="FFFFFF"/>
+                    </a:gs>
+                    <a:gs pos="100000">
+                      <a:srgbClr val="FFFFFF"/>
+                    </a:gs>
+                  </a:gsLst>
+                  <a:lin ang="5400000" scaled="0"/>
+                </a:gradFill>
+              </a:endParaRPr>
+            </a:p>
+          </p:txBody>
+        </p:sp>
         <p:sp>
           <p:nvSpPr>
-            <p:cNvPr id="3" name="TextBox 2"/>
+            <p:cNvPr id="12" name="Oval 11"/>
+            <p:cNvSpPr/>
+            <p:nvPr/>
+          </p:nvSpPr>
+          <p:spPr bwMode="auto">
+            <a:xfrm>
+              <a:off x="4369928" y="5361919"/>
+              <a:ext cx="504290" cy="489844"/>
+            </a:xfrm>
+            <a:prstGeom prst="ellipse">
+              <a:avLst/>
+            </a:prstGeom>
+            <a:solidFill>
+              <a:schemeClr val="bg1"/>
+            </a:solidFill>
+            <a:ln w="3175">
+              <a:noFill/>
+              <a:headEnd type="none" w="med" len="med"/>
+              <a:tailEnd type="none" w="med" len="med"/>
+            </a:ln>
+          </p:spPr>
+          <p:style>
+            <a:lnRef idx="2">
+              <a:schemeClr val="accent1">
+                <a:shade val="50000"/>
+              </a:schemeClr>
+            </a:lnRef>
+            <a:fillRef idx="1">
+              <a:schemeClr val="accent1"/>
+            </a:fillRef>
+            <a:effectRef idx="0">
+              <a:schemeClr val="accent1"/>
+            </a:effectRef>
+            <a:fontRef idx="minor">
+              <a:schemeClr val="lt1"/>
+            </a:fontRef>
+          </p:style>
+          <p:txBody>
+            <a:bodyPr vert="horz" wrap="square" lIns="0" tIns="46637" rIns="0" bIns="46637" numCol="1" rtlCol="0" anchor="ctr" anchorCtr="0" compatLnSpc="1">
+              <a:prstTxWarp prst="textNoShape">
+                <a:avLst/>
+              </a:prstTxWarp>
+            </a:bodyPr>
+            <a:lstStyle/>
+            <a:p>
+              <a:pPr algn="ctr" defTabSz="932472" fontAlgn="base">
+                <a:spcBef>
+                  <a:spcPct val="0"/>
+                </a:spcBef>
+                <a:spcAft>
+                  <a:spcPct val="0"/>
+                </a:spcAft>
+              </a:pPr>
+              <a:endParaRPr lang="en-US" sz="2000" dirty="0">
+                <a:gradFill>
+                  <a:gsLst>
+                    <a:gs pos="0">
+                      <a:srgbClr val="FFFFFF"/>
+                    </a:gs>
+                    <a:gs pos="100000">
+                      <a:srgbClr val="FFFFFF"/>
+                    </a:gs>
+                  </a:gsLst>
+                  <a:lin ang="5400000" scaled="0"/>
+                </a:gradFill>
+              </a:endParaRPr>
+            </a:p>
+          </p:txBody>
+        </p:sp>
+        <p:sp>
+          <p:nvSpPr>
+            <p:cNvPr id="13" name="TextBox 12"/>
             <p:cNvSpPr txBox="1"/>
             <p:nvPr/>
           </p:nvSpPr>
           <p:spPr>
             <a:xfrm>
-              <a:off x="4897259" y="1215254"/>
-              <a:ext cx="3155965" cy="1588840"/>
+              <a:off x="1195340" y="1197053"/>
+              <a:ext cx="6604633" cy="3484055"/>
             </a:xfrm>
             <a:prstGeom prst="rect">
               <a:avLst/>
@@ -5743,7 +6328,7 @@
                 </a:lnSpc>
               </a:pPr>
               <a:r>
-                <a:rPr lang="en-US" b="1" dirty="0">
+                <a:rPr lang="en-US" sz="1100" b="1" dirty="0">
                   <a:solidFill>
                     <a:schemeClr val="bg1"/>
                   </a:solidFill>
@@ -5753,7 +6338,7 @@
                 <a:t> </a:t>
               </a:r>
               <a:r>
-                <a:rPr lang="en-US" b="1" dirty="0" smtClean="0">
+                <a:rPr lang="en-US" sz="1100" b="1" dirty="0" smtClean="0">
                   <a:solidFill>
                     <a:schemeClr val="bg1"/>
                   </a:solidFill>
@@ -5762,7 +6347,7 @@
                 </a:rPr>
                 <a:t>            _/\__</a:t>
               </a:r>
-              <a:endParaRPr lang="en-US" b="1" dirty="0">
+              <a:endParaRPr lang="en-US" sz="1100" b="1" dirty="0">
                 <a:solidFill>
                   <a:schemeClr val="bg1"/>
                 </a:solidFill>
@@ -5777,7 +6362,7 @@
                 </a:lnSpc>
               </a:pPr>
               <a:r>
-                <a:rPr lang="en-US" b="1" dirty="0">
+                <a:rPr lang="en-US" sz="1100" b="1" dirty="0">
                   <a:solidFill>
                     <a:schemeClr val="bg1"/>
                   </a:solidFill>
@@ -5794,7 +6379,7 @@
                 </a:lnSpc>
               </a:pPr>
               <a:r>
-                <a:rPr lang="en-US" b="1" dirty="0">
+                <a:rPr lang="en-US" sz="1100" b="1" dirty="0">
                   <a:solidFill>
                     <a:srgbClr val="F68C1F"/>
                   </a:solidFill>
@@ -5804,7 +6389,7 @@
                 <a:t> ___  ___   </a:t>
               </a:r>
               <a:r>
-                <a:rPr lang="en-US" b="1" dirty="0">
+                <a:rPr lang="en-US" sz="1100" b="1" dirty="0">
                   <a:solidFill>
                     <a:schemeClr val="bg1"/>
                   </a:solidFill>
@@ -5821,7 +6406,7 @@
                 </a:lnSpc>
               </a:pPr>
               <a:r>
-                <a:rPr lang="en-US" b="1" dirty="0">
+                <a:rPr lang="en-US" sz="1100" b="1" dirty="0">
                   <a:solidFill>
                     <a:srgbClr val="F68C1F"/>
                   </a:solidFill>
@@ -5831,7 +6416,7 @@
                 <a:t>| __|| __|  </a:t>
               </a:r>
               <a:r>
-                <a:rPr lang="en-US" b="1" dirty="0">
+                <a:rPr lang="en-US" sz="1100" b="1" dirty="0">
                   <a:solidFill>
                     <a:schemeClr val="bg1"/>
                   </a:solidFill>
@@ -5848,7 +6433,7 @@
                 </a:lnSpc>
               </a:pPr>
               <a:r>
-                <a:rPr lang="en-US" b="1" dirty="0">
+                <a:rPr lang="en-US" sz="1100" b="1" dirty="0">
                   <a:solidFill>
                     <a:srgbClr val="F68C1F"/>
                   </a:solidFill>
@@ -5858,7 +6443,7 @@
                 <a:t>| _| | _|   </a:t>
               </a:r>
               <a:r>
-                <a:rPr lang="en-US" b="1" dirty="0">
+                <a:rPr lang="en-US" sz="1100" b="1" dirty="0">
                   <a:solidFill>
                     <a:schemeClr val="bg1"/>
                   </a:solidFill>
@@ -5875,7 +6460,7 @@
                 </a:lnSpc>
               </a:pPr>
               <a:r>
-                <a:rPr lang="en-US" b="1" dirty="0">
+                <a:rPr lang="en-US" sz="1100" b="1" dirty="0">
                   <a:solidFill>
                     <a:srgbClr val="F68C1F"/>
                   </a:solidFill>
@@ -5885,7 +6470,7 @@
                 <a:t>|___||_|    </a:t>
               </a:r>
               <a:r>
-                <a:rPr lang="en-US" b="1" dirty="0">
+                <a:rPr lang="en-US" sz="1100" b="1" dirty="0">
                   <a:solidFill>
                     <a:schemeClr val="bg1"/>
                   </a:solidFill>
@@ -5894,7 +6479,7 @@
                 </a:rPr>
                 <a:t>   /   \\\/\\</a:t>
               </a:r>
-              <a:endParaRPr lang="en-US" b="1" dirty="0" smtClean="0">
+              <a:endParaRPr lang="en-US" sz="1100" b="1" dirty="0" smtClean="0">
                 <a:solidFill>
                   <a:schemeClr val="bg1"/>
                 </a:solidFill>
@@ -5929,6 +6514,157 @@
 </file>
 
 <file path=ppt/slides/slide10.xml><?xml version="1.0" encoding="utf-8"?>
+<p:sld xmlns:a="http://schemas.openxmlformats.org/drawingml/2006/main" xmlns:r="http://schemas.openxmlformats.org/officeDocument/2006/relationships" xmlns:p="http://schemas.openxmlformats.org/presentationml/2006/main">
+  <p:cSld>
+    <p:spTree>
+      <p:nvGrpSpPr>
+        <p:cNvPr id="1" name=""/>
+        <p:cNvGrpSpPr/>
+        <p:nvPr/>
+      </p:nvGrpSpPr>
+      <p:grpSpPr>
+        <a:xfrm>
+          <a:off x="0" y="0"/>
+          <a:ext cx="0" cy="0"/>
+          <a:chOff x="0" y="0"/>
+          <a:chExt cx="0" cy="0"/>
+        </a:xfrm>
+      </p:grpSpPr>
+      <p:pic>
+        <p:nvPicPr>
+          <p:cNvPr id="4" name="Picture 3" descr="Campaign Illustrations_Artboard 12.png"/>
+          <p:cNvPicPr>
+            <a:picLocks noChangeAspect="1"/>
+          </p:cNvPicPr>
+          <p:nvPr/>
+        </p:nvPicPr>
+        <p:blipFill>
+          <a:blip r:embed="rId2">
+            <a:extLst>
+              <a:ext uri="{28A0092B-C50C-407E-A947-70E740481C1C}">
+                <a14:useLocalDpi xmlns:a14="http://schemas.microsoft.com/office/drawing/2010/main" val="0"/>
+              </a:ext>
+            </a:extLst>
+          </a:blip>
+          <a:stretch>
+            <a:fillRect/>
+          </a:stretch>
+        </p:blipFill>
+        <p:spPr>
+          <a:xfrm>
+            <a:off x="269262" y="2744020"/>
+            <a:ext cx="3105211" cy="2399480"/>
+          </a:xfrm>
+          <a:prstGeom prst="rect">
+            <a:avLst/>
+          </a:prstGeom>
+        </p:spPr>
+      </p:pic>
+      <p:sp>
+        <p:nvSpPr>
+          <p:cNvPr id="2" name="Title 1"/>
+          <p:cNvSpPr>
+            <a:spLocks noGrp="1"/>
+          </p:cNvSpPr>
+          <p:nvPr>
+            <p:ph type="title"/>
+          </p:nvPr>
+        </p:nvSpPr>
+        <p:spPr>
+          <a:xfrm>
+            <a:off x="269263" y="217136"/>
+            <a:ext cx="8600807" cy="956668"/>
+          </a:xfrm>
+        </p:spPr>
+        <p:txBody>
+          <a:bodyPr/>
+          <a:lstStyle/>
+          <a:p>
+            <a:r>
+              <a:rPr lang="en-US" sz="6400" dirty="0" smtClean="0"/>
+              <a:t>Demo</a:t>
+            </a:r>
+            <a:endParaRPr lang="en-US" sz="6400" dirty="0"/>
+          </a:p>
+        </p:txBody>
+      </p:sp>
+      <p:sp>
+        <p:nvSpPr>
+          <p:cNvPr id="6" name="Title 1"/>
+          <p:cNvSpPr txBox="1">
+            <a:spLocks/>
+          </p:cNvSpPr>
+          <p:nvPr/>
+        </p:nvSpPr>
+        <p:spPr>
+          <a:xfrm>
+            <a:off x="308173" y="1067094"/>
+            <a:ext cx="8600807" cy="956668"/>
+          </a:xfrm>
+          <a:prstGeom prst="rect">
+            <a:avLst/>
+          </a:prstGeom>
+        </p:spPr>
+        <p:txBody>
+          <a:bodyPr vert="horz" wrap="square" lIns="107536" tIns="67211" rIns="107536" bIns="67211" rtlCol="0" anchor="t">
+            <a:noAutofit/>
+          </a:bodyPr>
+          <a:lstStyle>
+            <a:lvl1pPr algn="l" defTabSz="685585" rtl="0" eaLnBrk="1" latinLnBrk="0" hangingPunct="1">
+              <a:lnSpc>
+                <a:spcPct val="90000"/>
+              </a:lnSpc>
+              <a:spcBef>
+                <a:spcPct val="0"/>
+              </a:spcBef>
+              <a:buNone/>
+              <a:defRPr lang="en-US" sz="3900" b="0" kern="1200" cap="none" spc="-75" baseline="0" dirty="0" smtClean="0">
+                <a:ln w="3175">
+                  <a:noFill/>
+                </a:ln>
+                <a:solidFill>
+                  <a:srgbClr val="616161"/>
+                </a:solidFill>
+                <a:effectLst/>
+                <a:latin typeface="+mj-lt"/>
+                <a:ea typeface="+mn-ea"/>
+                <a:cs typeface="Segoe UI" pitchFamily="34" charset="0"/>
+              </a:defRPr>
+            </a:lvl1pPr>
+          </a:lstStyle>
+          <a:p>
+            <a:r>
+              <a:rPr lang="en-US" sz="3600" dirty="0" smtClean="0"/>
+              <a:t>Phone/Store with SQLite</a:t>
+            </a:r>
+            <a:endParaRPr lang="en-US" sz="3600" dirty="0"/>
+          </a:p>
+        </p:txBody>
+      </p:sp>
+    </p:spTree>
+    <p:extLst>
+      <p:ext uri="{BB962C8B-B14F-4D97-AF65-F5344CB8AC3E}">
+        <p14:creationId xmlns:p14="http://schemas.microsoft.com/office/powerpoint/2010/main" val="3015813179"/>
+      </p:ext>
+    </p:extLst>
+  </p:cSld>
+  <p:clrMapOvr>
+    <a:masterClrMapping/>
+  </p:clrMapOvr>
+  <p:transition>
+    <p:fade/>
+  </p:transition>
+  <p:timing>
+    <p:tnLst>
+      <p:par>
+        <p:cTn id="1" dur="indefinite" restart="never" nodeType="tmRoot"/>
+      </p:par>
+    </p:tnLst>
+  </p:timing>
+</p:sld>
+</file>
+
+<file path=ppt/slides/slide11.xml><?xml version="1.0" encoding="utf-8"?>
 <p:sld xmlns:a="http://schemas.openxmlformats.org/drawingml/2006/main" xmlns:r="http://schemas.openxmlformats.org/officeDocument/2006/relationships" xmlns:p="http://schemas.openxmlformats.org/presentationml/2006/main">
   <p:cSld>
     <p:spTree>
@@ -6087,7 +6823,7 @@
 </p:sld>
 </file>
 
-<file path=ppt/slides/slide11.xml><?xml version="1.0" encoding="utf-8"?>
+<file path=ppt/slides/slide12.xml><?xml version="1.0" encoding="utf-8"?>
 <p:sld xmlns:a="http://schemas.openxmlformats.org/drawingml/2006/main" xmlns:r="http://schemas.openxmlformats.org/officeDocument/2006/relationships" xmlns:p="http://schemas.openxmlformats.org/presentationml/2006/main">
   <p:cSld>
     <p:spTree>
@@ -6246,7 +6982,7 @@
 </p:sld>
 </file>
 
-<file path=ppt/slides/slide12.xml><?xml version="1.0" encoding="utf-8"?>
+<file path=ppt/slides/slide13.xml><?xml version="1.0" encoding="utf-8"?>
 <p:sld xmlns:a="http://schemas.openxmlformats.org/drawingml/2006/main" xmlns:r="http://schemas.openxmlformats.org/officeDocument/2006/relationships" xmlns:p="http://schemas.openxmlformats.org/presentationml/2006/main">
   <p:cSld>
     <p:spTree>
@@ -6397,7 +7133,7 @@
 </p:sld>
 </file>
 
-<file path=ppt/slides/slide13.xml><?xml version="1.0" encoding="utf-8"?>
+<file path=ppt/slides/slide14.xml><?xml version="1.0" encoding="utf-8"?>
 <p:sld xmlns:a="http://schemas.openxmlformats.org/drawingml/2006/main" xmlns:r="http://schemas.openxmlformats.org/officeDocument/2006/relationships" xmlns:p="http://schemas.openxmlformats.org/presentationml/2006/main">
   <p:cSld>
     <p:spTree>
@@ -6548,7 +7284,7 @@
 </p:sld>
 </file>
 
-<file path=ppt/slides/slide14.xml><?xml version="1.0" encoding="utf-8"?>
+<file path=ppt/slides/slide15.xml><?xml version="1.0" encoding="utf-8"?>
 <p:sld xmlns:a="http://schemas.openxmlformats.org/drawingml/2006/main" xmlns:r="http://schemas.openxmlformats.org/officeDocument/2006/relationships" xmlns:p="http://schemas.openxmlformats.org/presentationml/2006/main">
   <p:cSld>
     <p:spTree>
@@ -13107,39 +13843,1815 @@
           <a:chExt cx="0" cy="0"/>
         </a:xfrm>
       </p:grpSpPr>
-      <p:pic>
-        <p:nvPicPr>
-          <p:cNvPr id="4" name="Picture 3" descr="Campaign Illustrations_Artboard 12.png"/>
-          <p:cNvPicPr>
-            <a:picLocks noChangeAspect="1"/>
-          </p:cNvPicPr>
-          <p:nvPr/>
-        </p:nvPicPr>
-        <p:blipFill>
-          <a:blip r:embed="rId2">
-            <a:extLst>
-              <a:ext uri="{28A0092B-C50C-407E-A947-70E740481C1C}">
-                <a14:useLocalDpi xmlns:a14="http://schemas.microsoft.com/office/drawing/2010/main" val="0"/>
-              </a:ext>
-            </a:extLst>
-          </a:blip>
-          <a:stretch>
-            <a:fillRect/>
-          </a:stretch>
-        </p:blipFill>
+      <p:sp>
+        <p:nvSpPr>
+          <p:cNvPr id="2" name="Text Placeholder 1"/>
+          <p:cNvSpPr>
+            <a:spLocks noGrp="1"/>
+          </p:cNvSpPr>
+          <p:nvPr>
+            <p:ph type="body" idx="1"/>
+          </p:nvPr>
+        </p:nvSpPr>
         <p:spPr>
           <a:xfrm>
-            <a:off x="269262" y="2744020"/>
-            <a:ext cx="3105211" cy="2399480"/>
+            <a:off x="89877" y="998215"/>
+            <a:ext cx="4456508" cy="479753"/>
           </a:xfrm>
-          <a:prstGeom prst="rect">
-            <a:avLst/>
-          </a:prstGeom>
+          <a:solidFill>
+            <a:srgbClr val="D83B01"/>
+          </a:solidFill>
         </p:spPr>
-      </p:pic>
+        <p:txBody>
+          <a:bodyPr/>
+          <a:lstStyle/>
+          <a:p>
+            <a:r>
+              <a:rPr lang="en-US" dirty="0" smtClean="0"/>
+              <a:t>EF6</a:t>
+            </a:r>
+            <a:endParaRPr lang="en-US" dirty="0"/>
+          </a:p>
+        </p:txBody>
+      </p:sp>
       <p:sp>
         <p:nvSpPr>
-          <p:cNvPr id="2" name="Title 1"/>
+          <p:cNvPr id="3" name="Content Placeholder 2"/>
+          <p:cNvSpPr>
+            <a:spLocks noGrp="1"/>
+          </p:cNvSpPr>
+          <p:nvPr>
+            <p:ph sz="half" idx="2"/>
+          </p:nvPr>
+        </p:nvSpPr>
+        <p:spPr>
+          <a:xfrm>
+            <a:off x="89877" y="1486055"/>
+            <a:ext cx="4456508" cy="3220810"/>
+          </a:xfrm>
+          <a:solidFill>
+            <a:schemeClr val="bg1"/>
+          </a:solidFill>
+        </p:spPr>
+        <p:txBody>
+          <a:bodyPr/>
+          <a:lstStyle/>
+          <a:p>
+            <a:pPr marL="0" indent="0">
+              <a:buNone/>
+            </a:pPr>
+            <a:r>
+              <a:rPr lang="en-US" sz="825" dirty="0" err="1">
+                <a:solidFill>
+                  <a:srgbClr val="0000FF"/>
+                </a:solidFill>
+                <a:highlight>
+                  <a:srgbClr val="FFFFFF"/>
+                </a:highlight>
+                <a:latin typeface="Consolas" panose="020B0609020204030204" pitchFamily="49" charset="0"/>
+              </a:rPr>
+              <a:t>var</a:t>
+            </a:r>
+            <a:r>
+              <a:rPr lang="en-US" sz="825" dirty="0">
+                <a:solidFill>
+                  <a:srgbClr val="000000"/>
+                </a:solidFill>
+                <a:highlight>
+                  <a:srgbClr val="FFFFFF"/>
+                </a:highlight>
+                <a:latin typeface="Consolas" panose="020B0609020204030204" pitchFamily="49" charset="0"/>
+              </a:rPr>
+              <a:t> metadata = ((</a:t>
+            </a:r>
+            <a:r>
+              <a:rPr lang="en-US" sz="825" dirty="0" err="1">
+                <a:solidFill>
+                  <a:srgbClr val="2B91AF"/>
+                </a:solidFill>
+                <a:highlight>
+                  <a:srgbClr val="FFFFFF"/>
+                </a:highlight>
+                <a:latin typeface="Consolas" panose="020B0609020204030204" pitchFamily="49" charset="0"/>
+              </a:rPr>
+              <a:t>IObjectContextAdapter</a:t>
+            </a:r>
+            <a:r>
+              <a:rPr lang="en-US" sz="825" dirty="0">
+                <a:solidFill>
+                  <a:srgbClr val="000000"/>
+                </a:solidFill>
+                <a:highlight>
+                  <a:srgbClr val="FFFFFF"/>
+                </a:highlight>
+                <a:latin typeface="Consolas" panose="020B0609020204030204" pitchFamily="49" charset="0"/>
+              </a:rPr>
+              <a:t>)context).</a:t>
+            </a:r>
+            <a:r>
+              <a:rPr lang="en-US" sz="825" dirty="0" err="1">
+                <a:solidFill>
+                  <a:srgbClr val="000000"/>
+                </a:solidFill>
+                <a:highlight>
+                  <a:srgbClr val="FFFFFF"/>
+                </a:highlight>
+                <a:latin typeface="Consolas" panose="020B0609020204030204" pitchFamily="49" charset="0"/>
+              </a:rPr>
+              <a:t>ObjectContext</a:t>
+            </a:r>
+            <a:r>
+              <a:rPr lang="en-US" sz="825" dirty="0">
+                <a:solidFill>
+                  <a:srgbClr val="000000"/>
+                </a:solidFill>
+                <a:highlight>
+                  <a:srgbClr val="FFFFFF"/>
+                </a:highlight>
+                <a:latin typeface="Consolas" panose="020B0609020204030204" pitchFamily="49" charset="0"/>
+              </a:rPr>
+              <a:t/>
+            </a:r>
+            <a:br>
+              <a:rPr lang="en-US" sz="825" dirty="0">
+                <a:solidFill>
+                  <a:srgbClr val="000000"/>
+                </a:solidFill>
+                <a:highlight>
+                  <a:srgbClr val="FFFFFF"/>
+                </a:highlight>
+                <a:latin typeface="Consolas" panose="020B0609020204030204" pitchFamily="49" charset="0"/>
+              </a:rPr>
+            </a:br>
+            <a:r>
+              <a:rPr lang="en-US" sz="825" dirty="0">
+                <a:solidFill>
+                  <a:srgbClr val="000000"/>
+                </a:solidFill>
+                <a:highlight>
+                  <a:srgbClr val="FFFFFF"/>
+                </a:highlight>
+                <a:latin typeface="Consolas" panose="020B0609020204030204" pitchFamily="49" charset="0"/>
+              </a:rPr>
+              <a:t>    .</a:t>
+            </a:r>
+            <a:r>
+              <a:rPr lang="en-US" sz="825" dirty="0" err="1">
+                <a:solidFill>
+                  <a:srgbClr val="000000"/>
+                </a:solidFill>
+                <a:highlight>
+                  <a:srgbClr val="FFFFFF"/>
+                </a:highlight>
+                <a:latin typeface="Consolas" panose="020B0609020204030204" pitchFamily="49" charset="0"/>
+              </a:rPr>
+              <a:t>MetadataWorkspace</a:t>
+            </a:r>
+            <a:r>
+              <a:rPr lang="en-US" sz="825" dirty="0">
+                <a:solidFill>
+                  <a:srgbClr val="000000"/>
+                </a:solidFill>
+                <a:highlight>
+                  <a:srgbClr val="FFFFFF"/>
+                </a:highlight>
+                <a:latin typeface="Consolas" panose="020B0609020204030204" pitchFamily="49" charset="0"/>
+              </a:rPr>
+              <a:t>;</a:t>
+            </a:r>
+            <a:br>
+              <a:rPr lang="en-US" sz="825" dirty="0">
+                <a:solidFill>
+                  <a:srgbClr val="000000"/>
+                </a:solidFill>
+                <a:highlight>
+                  <a:srgbClr val="FFFFFF"/>
+                </a:highlight>
+                <a:latin typeface="Consolas" panose="020B0609020204030204" pitchFamily="49" charset="0"/>
+              </a:rPr>
+            </a:br>
+            <a:r>
+              <a:rPr lang="en-US" sz="825" dirty="0">
+                <a:solidFill>
+                  <a:srgbClr val="000000"/>
+                </a:solidFill>
+                <a:highlight>
+                  <a:srgbClr val="FFFFFF"/>
+                </a:highlight>
+                <a:latin typeface="Consolas" panose="020B0609020204030204" pitchFamily="49" charset="0"/>
+              </a:rPr>
+              <a:t/>
+            </a:r>
+            <a:br>
+              <a:rPr lang="en-US" sz="825" dirty="0">
+                <a:solidFill>
+                  <a:srgbClr val="000000"/>
+                </a:solidFill>
+                <a:highlight>
+                  <a:srgbClr val="FFFFFF"/>
+                </a:highlight>
+                <a:latin typeface="Consolas" panose="020B0609020204030204" pitchFamily="49" charset="0"/>
+              </a:rPr>
+            </a:br>
+            <a:r>
+              <a:rPr lang="en-US" sz="825" dirty="0" err="1">
+                <a:solidFill>
+                  <a:srgbClr val="0000FF"/>
+                </a:solidFill>
+                <a:highlight>
+                  <a:srgbClr val="FFFFFF"/>
+                </a:highlight>
+                <a:latin typeface="Consolas" panose="020B0609020204030204" pitchFamily="49" charset="0"/>
+              </a:rPr>
+              <a:t>var</a:t>
+            </a:r>
+            <a:r>
+              <a:rPr lang="en-US" sz="825" dirty="0">
+                <a:solidFill>
+                  <a:srgbClr val="000000"/>
+                </a:solidFill>
+                <a:highlight>
+                  <a:srgbClr val="FFFFFF"/>
+                </a:highlight>
+                <a:latin typeface="Consolas" panose="020B0609020204030204" pitchFamily="49" charset="0"/>
+              </a:rPr>
+              <a:t> </a:t>
+            </a:r>
+            <a:r>
+              <a:rPr lang="en-US" sz="825" dirty="0" err="1">
+                <a:solidFill>
+                  <a:srgbClr val="000000"/>
+                </a:solidFill>
+                <a:highlight>
+                  <a:srgbClr val="FFFFFF"/>
+                </a:highlight>
+                <a:latin typeface="Consolas" panose="020B0609020204030204" pitchFamily="49" charset="0"/>
+              </a:rPr>
+              <a:t>objectItemCollection</a:t>
+            </a:r>
+            <a:r>
+              <a:rPr lang="en-US" sz="825" dirty="0">
+                <a:solidFill>
+                  <a:srgbClr val="000000"/>
+                </a:solidFill>
+                <a:highlight>
+                  <a:srgbClr val="FFFFFF"/>
+                </a:highlight>
+                <a:latin typeface="Consolas" panose="020B0609020204030204" pitchFamily="49" charset="0"/>
+              </a:rPr>
+              <a:t> = ((</a:t>
+            </a:r>
+            <a:r>
+              <a:rPr lang="en-US" sz="825" dirty="0" err="1">
+                <a:solidFill>
+                  <a:srgbClr val="2B91AF"/>
+                </a:solidFill>
+                <a:highlight>
+                  <a:srgbClr val="FFFFFF"/>
+                </a:highlight>
+                <a:latin typeface="Consolas" panose="020B0609020204030204" pitchFamily="49" charset="0"/>
+              </a:rPr>
+              <a:t>ObjectItemCollection</a:t>
+            </a:r>
+            <a:r>
+              <a:rPr lang="en-US" sz="825" dirty="0">
+                <a:solidFill>
+                  <a:srgbClr val="000000"/>
+                </a:solidFill>
+                <a:highlight>
+                  <a:srgbClr val="FFFFFF"/>
+                </a:highlight>
+                <a:latin typeface="Consolas" panose="020B0609020204030204" pitchFamily="49" charset="0"/>
+              </a:rPr>
+              <a:t>)metadata</a:t>
+            </a:r>
+            <a:br>
+              <a:rPr lang="en-US" sz="825" dirty="0">
+                <a:solidFill>
+                  <a:srgbClr val="000000"/>
+                </a:solidFill>
+                <a:highlight>
+                  <a:srgbClr val="FFFFFF"/>
+                </a:highlight>
+                <a:latin typeface="Consolas" panose="020B0609020204030204" pitchFamily="49" charset="0"/>
+              </a:rPr>
+            </a:br>
+            <a:r>
+              <a:rPr lang="en-US" sz="825" dirty="0">
+                <a:solidFill>
+                  <a:srgbClr val="000000"/>
+                </a:solidFill>
+                <a:highlight>
+                  <a:srgbClr val="FFFFFF"/>
+                </a:highlight>
+                <a:latin typeface="Consolas" panose="020B0609020204030204" pitchFamily="49" charset="0"/>
+              </a:rPr>
+              <a:t>    .</a:t>
+            </a:r>
+            <a:r>
+              <a:rPr lang="en-US" sz="825" dirty="0" err="1">
+                <a:solidFill>
+                  <a:srgbClr val="000000"/>
+                </a:solidFill>
+                <a:highlight>
+                  <a:srgbClr val="FFFFFF"/>
+                </a:highlight>
+                <a:latin typeface="Consolas" panose="020B0609020204030204" pitchFamily="49" charset="0"/>
+              </a:rPr>
+              <a:t>GetItemCollection</a:t>
+            </a:r>
+            <a:r>
+              <a:rPr lang="en-US" sz="825" dirty="0">
+                <a:solidFill>
+                  <a:srgbClr val="000000"/>
+                </a:solidFill>
+                <a:highlight>
+                  <a:srgbClr val="FFFFFF"/>
+                </a:highlight>
+                <a:latin typeface="Consolas" panose="020B0609020204030204" pitchFamily="49" charset="0"/>
+              </a:rPr>
+              <a:t>(</a:t>
+            </a:r>
+            <a:r>
+              <a:rPr lang="en-US" sz="825" dirty="0" err="1">
+                <a:solidFill>
+                  <a:srgbClr val="2B91AF"/>
+                </a:solidFill>
+                <a:highlight>
+                  <a:srgbClr val="FFFFFF"/>
+                </a:highlight>
+                <a:latin typeface="Consolas" panose="020B0609020204030204" pitchFamily="49" charset="0"/>
+              </a:rPr>
+              <a:t>DataSpace</a:t>
+            </a:r>
+            <a:r>
+              <a:rPr lang="en-US" sz="825" dirty="0" err="1">
+                <a:solidFill>
+                  <a:srgbClr val="000000"/>
+                </a:solidFill>
+                <a:highlight>
+                  <a:srgbClr val="FFFFFF"/>
+                </a:highlight>
+                <a:latin typeface="Consolas" panose="020B0609020204030204" pitchFamily="49" charset="0"/>
+              </a:rPr>
+              <a:t>.OSpace</a:t>
+            </a:r>
+            <a:r>
+              <a:rPr lang="en-US" sz="825" dirty="0">
+                <a:solidFill>
+                  <a:srgbClr val="000000"/>
+                </a:solidFill>
+                <a:highlight>
+                  <a:srgbClr val="FFFFFF"/>
+                </a:highlight>
+                <a:latin typeface="Consolas" panose="020B0609020204030204" pitchFamily="49" charset="0"/>
+              </a:rPr>
+              <a:t>));</a:t>
+            </a:r>
+            <a:br>
+              <a:rPr lang="en-US" sz="825" dirty="0">
+                <a:solidFill>
+                  <a:srgbClr val="000000"/>
+                </a:solidFill>
+                <a:highlight>
+                  <a:srgbClr val="FFFFFF"/>
+                </a:highlight>
+                <a:latin typeface="Consolas" panose="020B0609020204030204" pitchFamily="49" charset="0"/>
+              </a:rPr>
+            </a:br>
+            <a:r>
+              <a:rPr lang="en-US" sz="825" dirty="0">
+                <a:solidFill>
+                  <a:srgbClr val="000000"/>
+                </a:solidFill>
+                <a:highlight>
+                  <a:srgbClr val="FFFFFF"/>
+                </a:highlight>
+                <a:latin typeface="Consolas" panose="020B0609020204030204" pitchFamily="49" charset="0"/>
+              </a:rPr>
+              <a:t> </a:t>
+            </a:r>
+            <a:br>
+              <a:rPr lang="en-US" sz="825" dirty="0">
+                <a:solidFill>
+                  <a:srgbClr val="000000"/>
+                </a:solidFill>
+                <a:highlight>
+                  <a:srgbClr val="FFFFFF"/>
+                </a:highlight>
+                <a:latin typeface="Consolas" panose="020B0609020204030204" pitchFamily="49" charset="0"/>
+              </a:rPr>
+            </a:br>
+            <a:r>
+              <a:rPr lang="en-US" sz="825" dirty="0" err="1">
+                <a:solidFill>
+                  <a:srgbClr val="0000FF"/>
+                </a:solidFill>
+                <a:highlight>
+                  <a:srgbClr val="FFFFFF"/>
+                </a:highlight>
+                <a:latin typeface="Consolas" panose="020B0609020204030204" pitchFamily="49" charset="0"/>
+              </a:rPr>
+              <a:t>var</a:t>
+            </a:r>
+            <a:r>
+              <a:rPr lang="en-US" sz="825" dirty="0">
+                <a:solidFill>
+                  <a:srgbClr val="000000"/>
+                </a:solidFill>
+                <a:highlight>
+                  <a:srgbClr val="FFFFFF"/>
+                </a:highlight>
+                <a:latin typeface="Consolas" panose="020B0609020204030204" pitchFamily="49" charset="0"/>
+              </a:rPr>
+              <a:t> </a:t>
+            </a:r>
+            <a:r>
+              <a:rPr lang="en-US" sz="825" dirty="0" err="1">
+                <a:solidFill>
+                  <a:srgbClr val="000000"/>
+                </a:solidFill>
+                <a:highlight>
+                  <a:srgbClr val="FFFFFF"/>
+                </a:highlight>
+                <a:latin typeface="Consolas" panose="020B0609020204030204" pitchFamily="49" charset="0"/>
+              </a:rPr>
+              <a:t>entityType</a:t>
+            </a:r>
+            <a:r>
+              <a:rPr lang="en-US" sz="825" dirty="0">
+                <a:solidFill>
+                  <a:srgbClr val="000000"/>
+                </a:solidFill>
+                <a:highlight>
+                  <a:srgbClr val="FFFFFF"/>
+                </a:highlight>
+                <a:latin typeface="Consolas" panose="020B0609020204030204" pitchFamily="49" charset="0"/>
+              </a:rPr>
+              <a:t> = metadata</a:t>
+            </a:r>
+            <a:br>
+              <a:rPr lang="en-US" sz="825" dirty="0">
+                <a:solidFill>
+                  <a:srgbClr val="000000"/>
+                </a:solidFill>
+                <a:highlight>
+                  <a:srgbClr val="FFFFFF"/>
+                </a:highlight>
+                <a:latin typeface="Consolas" panose="020B0609020204030204" pitchFamily="49" charset="0"/>
+              </a:rPr>
+            </a:br>
+            <a:r>
+              <a:rPr lang="en-US" sz="825" dirty="0">
+                <a:solidFill>
+                  <a:srgbClr val="000000"/>
+                </a:solidFill>
+                <a:highlight>
+                  <a:srgbClr val="FFFFFF"/>
+                </a:highlight>
+                <a:latin typeface="Consolas" panose="020B0609020204030204" pitchFamily="49" charset="0"/>
+              </a:rPr>
+              <a:t>    .</a:t>
+            </a:r>
+            <a:r>
+              <a:rPr lang="en-US" sz="825" dirty="0" err="1">
+                <a:solidFill>
+                  <a:srgbClr val="000000"/>
+                </a:solidFill>
+                <a:highlight>
+                  <a:srgbClr val="FFFFFF"/>
+                </a:highlight>
+                <a:latin typeface="Consolas" panose="020B0609020204030204" pitchFamily="49" charset="0"/>
+              </a:rPr>
+              <a:t>GetItems</a:t>
+            </a:r>
+            <a:r>
+              <a:rPr lang="en-US" sz="825" dirty="0">
+                <a:solidFill>
+                  <a:srgbClr val="000000"/>
+                </a:solidFill>
+                <a:highlight>
+                  <a:srgbClr val="FFFFFF"/>
+                </a:highlight>
+                <a:latin typeface="Consolas" panose="020B0609020204030204" pitchFamily="49" charset="0"/>
+              </a:rPr>
+              <a:t>&lt;</a:t>
+            </a:r>
+            <a:r>
+              <a:rPr lang="en-US" sz="825" dirty="0" err="1">
+                <a:solidFill>
+                  <a:srgbClr val="2B91AF"/>
+                </a:solidFill>
+                <a:highlight>
+                  <a:srgbClr val="FFFFFF"/>
+                </a:highlight>
+                <a:latin typeface="Consolas" panose="020B0609020204030204" pitchFamily="49" charset="0"/>
+              </a:rPr>
+              <a:t>EntityType</a:t>
+            </a:r>
+            <a:r>
+              <a:rPr lang="en-US" sz="825" dirty="0">
+                <a:solidFill>
+                  <a:srgbClr val="000000"/>
+                </a:solidFill>
+                <a:highlight>
+                  <a:srgbClr val="FFFFFF"/>
+                </a:highlight>
+                <a:latin typeface="Consolas" panose="020B0609020204030204" pitchFamily="49" charset="0"/>
+              </a:rPr>
+              <a:t>&gt;(</a:t>
+            </a:r>
+            <a:r>
+              <a:rPr lang="en-US" sz="825" dirty="0" err="1">
+                <a:solidFill>
+                  <a:srgbClr val="2B91AF"/>
+                </a:solidFill>
+                <a:highlight>
+                  <a:srgbClr val="FFFFFF"/>
+                </a:highlight>
+                <a:latin typeface="Consolas" panose="020B0609020204030204" pitchFamily="49" charset="0"/>
+              </a:rPr>
+              <a:t>DataSpace</a:t>
+            </a:r>
+            <a:r>
+              <a:rPr lang="en-US" sz="825" dirty="0" err="1">
+                <a:solidFill>
+                  <a:srgbClr val="000000"/>
+                </a:solidFill>
+                <a:highlight>
+                  <a:srgbClr val="FFFFFF"/>
+                </a:highlight>
+                <a:latin typeface="Consolas" panose="020B0609020204030204" pitchFamily="49" charset="0"/>
+              </a:rPr>
+              <a:t>.OSpace</a:t>
+            </a:r>
+            <a:r>
+              <a:rPr lang="en-US" sz="825" dirty="0">
+                <a:solidFill>
+                  <a:srgbClr val="000000"/>
+                </a:solidFill>
+                <a:highlight>
+                  <a:srgbClr val="FFFFFF"/>
+                </a:highlight>
+                <a:latin typeface="Consolas" panose="020B0609020204030204" pitchFamily="49" charset="0"/>
+              </a:rPr>
+              <a:t>)</a:t>
+            </a:r>
+            <a:br>
+              <a:rPr lang="en-US" sz="825" dirty="0">
+                <a:solidFill>
+                  <a:srgbClr val="000000"/>
+                </a:solidFill>
+                <a:highlight>
+                  <a:srgbClr val="FFFFFF"/>
+                </a:highlight>
+                <a:latin typeface="Consolas" panose="020B0609020204030204" pitchFamily="49" charset="0"/>
+              </a:rPr>
+            </a:br>
+            <a:r>
+              <a:rPr lang="en-US" sz="825" dirty="0">
+                <a:solidFill>
+                  <a:srgbClr val="000000"/>
+                </a:solidFill>
+                <a:highlight>
+                  <a:srgbClr val="FFFFFF"/>
+                </a:highlight>
+                <a:latin typeface="Consolas" panose="020B0609020204030204" pitchFamily="49" charset="0"/>
+              </a:rPr>
+              <a:t>    .Single(e =&gt; </a:t>
+            </a:r>
+            <a:r>
+              <a:rPr lang="en-US" sz="825" dirty="0" err="1">
+                <a:solidFill>
+                  <a:srgbClr val="000000"/>
+                </a:solidFill>
+                <a:highlight>
+                  <a:srgbClr val="FFFFFF"/>
+                </a:highlight>
+                <a:latin typeface="Consolas" panose="020B0609020204030204" pitchFamily="49" charset="0"/>
+              </a:rPr>
+              <a:t>objectItemCollection.GetClrType</a:t>
+            </a:r>
+            <a:r>
+              <a:rPr lang="en-US" sz="825" dirty="0">
+                <a:solidFill>
+                  <a:srgbClr val="000000"/>
+                </a:solidFill>
+                <a:highlight>
+                  <a:srgbClr val="FFFFFF"/>
+                </a:highlight>
+                <a:latin typeface="Consolas" panose="020B0609020204030204" pitchFamily="49" charset="0"/>
+              </a:rPr>
+              <a:t>(e) == </a:t>
+            </a:r>
+            <a:r>
+              <a:rPr lang="en-US" sz="825" dirty="0" err="1">
+                <a:solidFill>
+                  <a:srgbClr val="0000FF"/>
+                </a:solidFill>
+                <a:highlight>
+                  <a:srgbClr val="FFFFFF"/>
+                </a:highlight>
+                <a:latin typeface="Consolas" panose="020B0609020204030204" pitchFamily="49" charset="0"/>
+              </a:rPr>
+              <a:t>typeof</a:t>
+            </a:r>
+            <a:r>
+              <a:rPr lang="en-US" sz="825" dirty="0">
+                <a:solidFill>
+                  <a:srgbClr val="000000"/>
+                </a:solidFill>
+                <a:highlight>
+                  <a:srgbClr val="FFFFFF"/>
+                </a:highlight>
+                <a:latin typeface="Consolas" panose="020B0609020204030204" pitchFamily="49" charset="0"/>
+              </a:rPr>
+              <a:t>(</a:t>
+            </a:r>
+            <a:r>
+              <a:rPr lang="en-US" sz="825" dirty="0">
+                <a:solidFill>
+                  <a:srgbClr val="2B91AF"/>
+                </a:solidFill>
+                <a:highlight>
+                  <a:srgbClr val="FFFFFF"/>
+                </a:highlight>
+                <a:latin typeface="Consolas" panose="020B0609020204030204" pitchFamily="49" charset="0"/>
+              </a:rPr>
+              <a:t>Blog</a:t>
+            </a:r>
+            <a:r>
+              <a:rPr lang="en-US" sz="825" dirty="0">
+                <a:solidFill>
+                  <a:srgbClr val="000000"/>
+                </a:solidFill>
+                <a:highlight>
+                  <a:srgbClr val="FFFFFF"/>
+                </a:highlight>
+                <a:latin typeface="Consolas" panose="020B0609020204030204" pitchFamily="49" charset="0"/>
+              </a:rPr>
+              <a:t>));</a:t>
+            </a:r>
+            <a:br>
+              <a:rPr lang="en-US" sz="825" dirty="0">
+                <a:solidFill>
+                  <a:srgbClr val="000000"/>
+                </a:solidFill>
+                <a:highlight>
+                  <a:srgbClr val="FFFFFF"/>
+                </a:highlight>
+                <a:latin typeface="Consolas" panose="020B0609020204030204" pitchFamily="49" charset="0"/>
+              </a:rPr>
+            </a:br>
+            <a:r>
+              <a:rPr lang="en-US" sz="825" dirty="0">
+                <a:solidFill>
+                  <a:srgbClr val="000000"/>
+                </a:solidFill>
+                <a:highlight>
+                  <a:srgbClr val="FFFFFF"/>
+                </a:highlight>
+                <a:latin typeface="Consolas" panose="020B0609020204030204" pitchFamily="49" charset="0"/>
+              </a:rPr>
+              <a:t> </a:t>
+            </a:r>
+            <a:br>
+              <a:rPr lang="en-US" sz="825" dirty="0">
+                <a:solidFill>
+                  <a:srgbClr val="000000"/>
+                </a:solidFill>
+                <a:highlight>
+                  <a:srgbClr val="FFFFFF"/>
+                </a:highlight>
+                <a:latin typeface="Consolas" panose="020B0609020204030204" pitchFamily="49" charset="0"/>
+              </a:rPr>
+            </a:br>
+            <a:r>
+              <a:rPr lang="en-US" sz="825" dirty="0" err="1">
+                <a:solidFill>
+                  <a:srgbClr val="0000FF"/>
+                </a:solidFill>
+                <a:highlight>
+                  <a:srgbClr val="FFFFFF"/>
+                </a:highlight>
+                <a:latin typeface="Consolas" panose="020B0609020204030204" pitchFamily="49" charset="0"/>
+              </a:rPr>
+              <a:t>var</a:t>
+            </a:r>
+            <a:r>
+              <a:rPr lang="en-US" sz="825" dirty="0">
+                <a:solidFill>
+                  <a:srgbClr val="000000"/>
+                </a:solidFill>
+                <a:highlight>
+                  <a:srgbClr val="FFFFFF"/>
+                </a:highlight>
+                <a:latin typeface="Consolas" panose="020B0609020204030204" pitchFamily="49" charset="0"/>
+              </a:rPr>
+              <a:t> </a:t>
+            </a:r>
+            <a:r>
+              <a:rPr lang="en-US" sz="825" dirty="0" err="1">
+                <a:solidFill>
+                  <a:srgbClr val="000000"/>
+                </a:solidFill>
+                <a:highlight>
+                  <a:srgbClr val="FFFFFF"/>
+                </a:highlight>
+                <a:latin typeface="Consolas" panose="020B0609020204030204" pitchFamily="49" charset="0"/>
+              </a:rPr>
+              <a:t>entitySet</a:t>
+            </a:r>
+            <a:r>
+              <a:rPr lang="en-US" sz="825" dirty="0">
+                <a:solidFill>
+                  <a:srgbClr val="000000"/>
+                </a:solidFill>
+                <a:highlight>
+                  <a:srgbClr val="FFFFFF"/>
+                </a:highlight>
+                <a:latin typeface="Consolas" panose="020B0609020204030204" pitchFamily="49" charset="0"/>
+              </a:rPr>
+              <a:t> = metadata</a:t>
+            </a:r>
+            <a:br>
+              <a:rPr lang="en-US" sz="825" dirty="0">
+                <a:solidFill>
+                  <a:srgbClr val="000000"/>
+                </a:solidFill>
+                <a:highlight>
+                  <a:srgbClr val="FFFFFF"/>
+                </a:highlight>
+                <a:latin typeface="Consolas" panose="020B0609020204030204" pitchFamily="49" charset="0"/>
+              </a:rPr>
+            </a:br>
+            <a:r>
+              <a:rPr lang="en-US" sz="825" dirty="0">
+                <a:solidFill>
+                  <a:srgbClr val="000000"/>
+                </a:solidFill>
+                <a:highlight>
+                  <a:srgbClr val="FFFFFF"/>
+                </a:highlight>
+                <a:latin typeface="Consolas" panose="020B0609020204030204" pitchFamily="49" charset="0"/>
+              </a:rPr>
+              <a:t>    .</a:t>
+            </a:r>
+            <a:r>
+              <a:rPr lang="en-US" sz="825" dirty="0" err="1">
+                <a:solidFill>
+                  <a:srgbClr val="000000"/>
+                </a:solidFill>
+                <a:highlight>
+                  <a:srgbClr val="FFFFFF"/>
+                </a:highlight>
+                <a:latin typeface="Consolas" panose="020B0609020204030204" pitchFamily="49" charset="0"/>
+              </a:rPr>
+              <a:t>GetItems</a:t>
+            </a:r>
+            <a:r>
+              <a:rPr lang="en-US" sz="825" dirty="0">
+                <a:solidFill>
+                  <a:srgbClr val="000000"/>
+                </a:solidFill>
+                <a:highlight>
+                  <a:srgbClr val="FFFFFF"/>
+                </a:highlight>
+                <a:latin typeface="Consolas" panose="020B0609020204030204" pitchFamily="49" charset="0"/>
+              </a:rPr>
+              <a:t>&lt;</a:t>
+            </a:r>
+            <a:r>
+              <a:rPr lang="en-US" sz="825" dirty="0" err="1">
+                <a:solidFill>
+                  <a:srgbClr val="2B91AF"/>
+                </a:solidFill>
+                <a:highlight>
+                  <a:srgbClr val="FFFFFF"/>
+                </a:highlight>
+                <a:latin typeface="Consolas" panose="020B0609020204030204" pitchFamily="49" charset="0"/>
+              </a:rPr>
+              <a:t>EntityContainer</a:t>
+            </a:r>
+            <a:r>
+              <a:rPr lang="en-US" sz="825" dirty="0">
+                <a:solidFill>
+                  <a:srgbClr val="000000"/>
+                </a:solidFill>
+                <a:highlight>
+                  <a:srgbClr val="FFFFFF"/>
+                </a:highlight>
+                <a:latin typeface="Consolas" panose="020B0609020204030204" pitchFamily="49" charset="0"/>
+              </a:rPr>
+              <a:t>&gt;(</a:t>
+            </a:r>
+            <a:r>
+              <a:rPr lang="en-US" sz="825" dirty="0" err="1">
+                <a:solidFill>
+                  <a:srgbClr val="2B91AF"/>
+                </a:solidFill>
+                <a:highlight>
+                  <a:srgbClr val="FFFFFF"/>
+                </a:highlight>
+                <a:latin typeface="Consolas" panose="020B0609020204030204" pitchFamily="49" charset="0"/>
+              </a:rPr>
+              <a:t>DataSpace</a:t>
+            </a:r>
+            <a:r>
+              <a:rPr lang="en-US" sz="825" dirty="0" err="1">
+                <a:solidFill>
+                  <a:srgbClr val="000000"/>
+                </a:solidFill>
+                <a:highlight>
+                  <a:srgbClr val="FFFFFF"/>
+                </a:highlight>
+                <a:latin typeface="Consolas" panose="020B0609020204030204" pitchFamily="49" charset="0"/>
+              </a:rPr>
+              <a:t>.CSpace</a:t>
+            </a:r>
+            <a:r>
+              <a:rPr lang="en-US" sz="825" dirty="0">
+                <a:solidFill>
+                  <a:srgbClr val="000000"/>
+                </a:solidFill>
+                <a:highlight>
+                  <a:srgbClr val="FFFFFF"/>
+                </a:highlight>
+                <a:latin typeface="Consolas" panose="020B0609020204030204" pitchFamily="49" charset="0"/>
+              </a:rPr>
+              <a:t>).Single()</a:t>
+            </a:r>
+            <a:br>
+              <a:rPr lang="en-US" sz="825" dirty="0">
+                <a:solidFill>
+                  <a:srgbClr val="000000"/>
+                </a:solidFill>
+                <a:highlight>
+                  <a:srgbClr val="FFFFFF"/>
+                </a:highlight>
+                <a:latin typeface="Consolas" panose="020B0609020204030204" pitchFamily="49" charset="0"/>
+              </a:rPr>
+            </a:br>
+            <a:r>
+              <a:rPr lang="en-US" sz="825" dirty="0">
+                <a:solidFill>
+                  <a:srgbClr val="000000"/>
+                </a:solidFill>
+                <a:highlight>
+                  <a:srgbClr val="FFFFFF"/>
+                </a:highlight>
+                <a:latin typeface="Consolas" panose="020B0609020204030204" pitchFamily="49" charset="0"/>
+              </a:rPr>
+              <a:t>    .</a:t>
+            </a:r>
+            <a:r>
+              <a:rPr lang="en-US" sz="825" dirty="0" err="1">
+                <a:solidFill>
+                  <a:srgbClr val="000000"/>
+                </a:solidFill>
+                <a:highlight>
+                  <a:srgbClr val="FFFFFF"/>
+                </a:highlight>
+                <a:latin typeface="Consolas" panose="020B0609020204030204" pitchFamily="49" charset="0"/>
+              </a:rPr>
+              <a:t>EntitySets</a:t>
+            </a:r>
+            <a:r>
+              <a:rPr lang="en-US" sz="825" dirty="0">
+                <a:solidFill>
+                  <a:srgbClr val="000000"/>
+                </a:solidFill>
+                <a:highlight>
+                  <a:srgbClr val="FFFFFF"/>
+                </a:highlight>
+                <a:latin typeface="Consolas" panose="020B0609020204030204" pitchFamily="49" charset="0"/>
+              </a:rPr>
+              <a:t/>
+            </a:r>
+            <a:br>
+              <a:rPr lang="en-US" sz="825" dirty="0">
+                <a:solidFill>
+                  <a:srgbClr val="000000"/>
+                </a:solidFill>
+                <a:highlight>
+                  <a:srgbClr val="FFFFFF"/>
+                </a:highlight>
+                <a:latin typeface="Consolas" panose="020B0609020204030204" pitchFamily="49" charset="0"/>
+              </a:rPr>
+            </a:br>
+            <a:r>
+              <a:rPr lang="en-US" sz="825" dirty="0">
+                <a:solidFill>
+                  <a:srgbClr val="000000"/>
+                </a:solidFill>
+                <a:highlight>
+                  <a:srgbClr val="FFFFFF"/>
+                </a:highlight>
+                <a:latin typeface="Consolas" panose="020B0609020204030204" pitchFamily="49" charset="0"/>
+              </a:rPr>
+              <a:t>    .Single(s =&gt; </a:t>
+            </a:r>
+            <a:r>
+              <a:rPr lang="en-US" sz="825" dirty="0" err="1">
+                <a:solidFill>
+                  <a:srgbClr val="000000"/>
+                </a:solidFill>
+                <a:highlight>
+                  <a:srgbClr val="FFFFFF"/>
+                </a:highlight>
+                <a:latin typeface="Consolas" panose="020B0609020204030204" pitchFamily="49" charset="0"/>
+              </a:rPr>
+              <a:t>s.ElementType.Name</a:t>
+            </a:r>
+            <a:r>
+              <a:rPr lang="en-US" sz="825" dirty="0">
+                <a:solidFill>
+                  <a:srgbClr val="000000"/>
+                </a:solidFill>
+                <a:highlight>
+                  <a:srgbClr val="FFFFFF"/>
+                </a:highlight>
+                <a:latin typeface="Consolas" panose="020B0609020204030204" pitchFamily="49" charset="0"/>
+              </a:rPr>
+              <a:t> == </a:t>
+            </a:r>
+            <a:r>
+              <a:rPr lang="en-US" sz="825" dirty="0" err="1">
+                <a:solidFill>
+                  <a:srgbClr val="000000"/>
+                </a:solidFill>
+                <a:highlight>
+                  <a:srgbClr val="FFFFFF"/>
+                </a:highlight>
+                <a:latin typeface="Consolas" panose="020B0609020204030204" pitchFamily="49" charset="0"/>
+              </a:rPr>
+              <a:t>entityType.Name</a:t>
+            </a:r>
+            <a:r>
+              <a:rPr lang="en-US" sz="825" dirty="0">
+                <a:solidFill>
+                  <a:srgbClr val="000000"/>
+                </a:solidFill>
+                <a:highlight>
+                  <a:srgbClr val="FFFFFF"/>
+                </a:highlight>
+                <a:latin typeface="Consolas" panose="020B0609020204030204" pitchFamily="49" charset="0"/>
+              </a:rPr>
+              <a:t>);</a:t>
+            </a:r>
+            <a:br>
+              <a:rPr lang="en-US" sz="825" dirty="0">
+                <a:solidFill>
+                  <a:srgbClr val="000000"/>
+                </a:solidFill>
+                <a:highlight>
+                  <a:srgbClr val="FFFFFF"/>
+                </a:highlight>
+                <a:latin typeface="Consolas" panose="020B0609020204030204" pitchFamily="49" charset="0"/>
+              </a:rPr>
+            </a:br>
+            <a:r>
+              <a:rPr lang="en-US" sz="825" dirty="0">
+                <a:solidFill>
+                  <a:srgbClr val="000000"/>
+                </a:solidFill>
+                <a:highlight>
+                  <a:srgbClr val="FFFFFF"/>
+                </a:highlight>
+                <a:latin typeface="Consolas" panose="020B0609020204030204" pitchFamily="49" charset="0"/>
+              </a:rPr>
+              <a:t> </a:t>
+            </a:r>
+            <a:br>
+              <a:rPr lang="en-US" sz="825" dirty="0">
+                <a:solidFill>
+                  <a:srgbClr val="000000"/>
+                </a:solidFill>
+                <a:highlight>
+                  <a:srgbClr val="FFFFFF"/>
+                </a:highlight>
+                <a:latin typeface="Consolas" panose="020B0609020204030204" pitchFamily="49" charset="0"/>
+              </a:rPr>
+            </a:br>
+            <a:r>
+              <a:rPr lang="en-US" sz="825" dirty="0" err="1">
+                <a:solidFill>
+                  <a:srgbClr val="0000FF"/>
+                </a:solidFill>
+                <a:highlight>
+                  <a:srgbClr val="FFFFFF"/>
+                </a:highlight>
+                <a:latin typeface="Consolas" panose="020B0609020204030204" pitchFamily="49" charset="0"/>
+              </a:rPr>
+              <a:t>var</a:t>
+            </a:r>
+            <a:r>
+              <a:rPr lang="en-US" sz="825" dirty="0">
+                <a:solidFill>
+                  <a:srgbClr val="000000"/>
+                </a:solidFill>
+                <a:highlight>
+                  <a:srgbClr val="FFFFFF"/>
+                </a:highlight>
+                <a:latin typeface="Consolas" panose="020B0609020204030204" pitchFamily="49" charset="0"/>
+              </a:rPr>
+              <a:t> mapping =</a:t>
+            </a:r>
+            <a:br>
+              <a:rPr lang="en-US" sz="825" dirty="0">
+                <a:solidFill>
+                  <a:srgbClr val="000000"/>
+                </a:solidFill>
+                <a:highlight>
+                  <a:srgbClr val="FFFFFF"/>
+                </a:highlight>
+                <a:latin typeface="Consolas" panose="020B0609020204030204" pitchFamily="49" charset="0"/>
+              </a:rPr>
+            </a:br>
+            <a:r>
+              <a:rPr lang="en-US" sz="825" dirty="0">
+                <a:solidFill>
+                  <a:srgbClr val="000000"/>
+                </a:solidFill>
+                <a:highlight>
+                  <a:srgbClr val="FFFFFF"/>
+                </a:highlight>
+                <a:latin typeface="Consolas" panose="020B0609020204030204" pitchFamily="49" charset="0"/>
+              </a:rPr>
+              <a:t>    </a:t>
+            </a:r>
+            <a:r>
+              <a:rPr lang="en-US" sz="825" dirty="0" err="1">
+                <a:solidFill>
+                  <a:srgbClr val="000000"/>
+                </a:solidFill>
+                <a:highlight>
+                  <a:srgbClr val="FFFFFF"/>
+                </a:highlight>
+                <a:latin typeface="Consolas" panose="020B0609020204030204" pitchFamily="49" charset="0"/>
+              </a:rPr>
+              <a:t>metadata.GetItems</a:t>
+            </a:r>
+            <a:r>
+              <a:rPr lang="en-US" sz="825" dirty="0">
+                <a:solidFill>
+                  <a:srgbClr val="000000"/>
+                </a:solidFill>
+                <a:highlight>
+                  <a:srgbClr val="FFFFFF"/>
+                </a:highlight>
+                <a:latin typeface="Consolas" panose="020B0609020204030204" pitchFamily="49" charset="0"/>
+              </a:rPr>
+              <a:t>&lt;</a:t>
+            </a:r>
+            <a:r>
+              <a:rPr lang="en-US" sz="825" dirty="0" err="1">
+                <a:solidFill>
+                  <a:srgbClr val="2B91AF"/>
+                </a:solidFill>
+                <a:highlight>
+                  <a:srgbClr val="FFFFFF"/>
+                </a:highlight>
+                <a:latin typeface="Consolas" panose="020B0609020204030204" pitchFamily="49" charset="0"/>
+              </a:rPr>
+              <a:t>EntityContainerMapping</a:t>
+            </a:r>
+            <a:r>
+              <a:rPr lang="en-US" sz="825" dirty="0">
+                <a:solidFill>
+                  <a:srgbClr val="000000"/>
+                </a:solidFill>
+                <a:highlight>
+                  <a:srgbClr val="FFFFFF"/>
+                </a:highlight>
+                <a:latin typeface="Consolas" panose="020B0609020204030204" pitchFamily="49" charset="0"/>
+              </a:rPr>
+              <a:t>&gt;(</a:t>
+            </a:r>
+            <a:r>
+              <a:rPr lang="en-US" sz="825" dirty="0" err="1">
+                <a:solidFill>
+                  <a:srgbClr val="2B91AF"/>
+                </a:solidFill>
+                <a:highlight>
+                  <a:srgbClr val="FFFFFF"/>
+                </a:highlight>
+                <a:latin typeface="Consolas" panose="020B0609020204030204" pitchFamily="49" charset="0"/>
+              </a:rPr>
+              <a:t>DataSpace</a:t>
+            </a:r>
+            <a:r>
+              <a:rPr lang="en-US" sz="825" dirty="0" err="1">
+                <a:solidFill>
+                  <a:srgbClr val="000000"/>
+                </a:solidFill>
+                <a:highlight>
+                  <a:srgbClr val="FFFFFF"/>
+                </a:highlight>
+                <a:latin typeface="Consolas" panose="020B0609020204030204" pitchFamily="49" charset="0"/>
+              </a:rPr>
+              <a:t>.CSSpace</a:t>
+            </a:r>
+            <a:r>
+              <a:rPr lang="en-US" sz="825" dirty="0">
+                <a:solidFill>
+                  <a:srgbClr val="000000"/>
+                </a:solidFill>
+                <a:highlight>
+                  <a:srgbClr val="FFFFFF"/>
+                </a:highlight>
+                <a:latin typeface="Consolas" panose="020B0609020204030204" pitchFamily="49" charset="0"/>
+              </a:rPr>
+              <a:t>)</a:t>
+            </a:r>
+            <a:br>
+              <a:rPr lang="en-US" sz="825" dirty="0">
+                <a:solidFill>
+                  <a:srgbClr val="000000"/>
+                </a:solidFill>
+                <a:highlight>
+                  <a:srgbClr val="FFFFFF"/>
+                </a:highlight>
+                <a:latin typeface="Consolas" panose="020B0609020204030204" pitchFamily="49" charset="0"/>
+              </a:rPr>
+            </a:br>
+            <a:r>
+              <a:rPr lang="en-US" sz="825" dirty="0">
+                <a:solidFill>
+                  <a:srgbClr val="000000"/>
+                </a:solidFill>
+                <a:highlight>
+                  <a:srgbClr val="FFFFFF"/>
+                </a:highlight>
+                <a:latin typeface="Consolas" panose="020B0609020204030204" pitchFamily="49" charset="0"/>
+              </a:rPr>
+              <a:t>       .Single().</a:t>
+            </a:r>
+            <a:r>
+              <a:rPr lang="en-US" sz="825" dirty="0" err="1">
+                <a:solidFill>
+                  <a:srgbClr val="000000"/>
+                </a:solidFill>
+                <a:highlight>
+                  <a:srgbClr val="FFFFFF"/>
+                </a:highlight>
+                <a:latin typeface="Consolas" panose="020B0609020204030204" pitchFamily="49" charset="0"/>
+              </a:rPr>
+              <a:t>EntitySetMappings</a:t>
+            </a:r>
+            <a:r>
+              <a:rPr lang="en-US" sz="825" dirty="0">
+                <a:solidFill>
+                  <a:srgbClr val="000000"/>
+                </a:solidFill>
+                <a:highlight>
+                  <a:srgbClr val="FFFFFF"/>
+                </a:highlight>
+                <a:latin typeface="Consolas" panose="020B0609020204030204" pitchFamily="49" charset="0"/>
+              </a:rPr>
+              <a:t/>
+            </a:r>
+            <a:br>
+              <a:rPr lang="en-US" sz="825" dirty="0">
+                <a:solidFill>
+                  <a:srgbClr val="000000"/>
+                </a:solidFill>
+                <a:highlight>
+                  <a:srgbClr val="FFFFFF"/>
+                </a:highlight>
+                <a:latin typeface="Consolas" panose="020B0609020204030204" pitchFamily="49" charset="0"/>
+              </a:rPr>
+            </a:br>
+            <a:r>
+              <a:rPr lang="en-US" sz="825" dirty="0">
+                <a:solidFill>
+                  <a:srgbClr val="000000"/>
+                </a:solidFill>
+                <a:highlight>
+                  <a:srgbClr val="FFFFFF"/>
+                </a:highlight>
+                <a:latin typeface="Consolas" panose="020B0609020204030204" pitchFamily="49" charset="0"/>
+              </a:rPr>
+              <a:t>       .Single(s =&gt; </a:t>
+            </a:r>
+            <a:r>
+              <a:rPr lang="en-US" sz="825" dirty="0" err="1">
+                <a:solidFill>
+                  <a:srgbClr val="000000"/>
+                </a:solidFill>
+                <a:highlight>
+                  <a:srgbClr val="FFFFFF"/>
+                </a:highlight>
+                <a:latin typeface="Consolas" panose="020B0609020204030204" pitchFamily="49" charset="0"/>
+              </a:rPr>
+              <a:t>s.EntitySet</a:t>
+            </a:r>
+            <a:r>
+              <a:rPr lang="en-US" sz="825" dirty="0">
+                <a:solidFill>
+                  <a:srgbClr val="000000"/>
+                </a:solidFill>
+                <a:highlight>
+                  <a:srgbClr val="FFFFFF"/>
+                </a:highlight>
+                <a:latin typeface="Consolas" panose="020B0609020204030204" pitchFamily="49" charset="0"/>
+              </a:rPr>
+              <a:t> == </a:t>
+            </a:r>
+            <a:r>
+              <a:rPr lang="en-US" sz="825" dirty="0" err="1">
+                <a:solidFill>
+                  <a:srgbClr val="000000"/>
+                </a:solidFill>
+                <a:highlight>
+                  <a:srgbClr val="FFFFFF"/>
+                </a:highlight>
+                <a:latin typeface="Consolas" panose="020B0609020204030204" pitchFamily="49" charset="0"/>
+              </a:rPr>
+              <a:t>entitySet</a:t>
+            </a:r>
+            <a:r>
+              <a:rPr lang="en-US" sz="825" dirty="0">
+                <a:solidFill>
+                  <a:srgbClr val="000000"/>
+                </a:solidFill>
+                <a:highlight>
+                  <a:srgbClr val="FFFFFF"/>
+                </a:highlight>
+                <a:latin typeface="Consolas" panose="020B0609020204030204" pitchFamily="49" charset="0"/>
+              </a:rPr>
+              <a:t>);</a:t>
+            </a:r>
+            <a:br>
+              <a:rPr lang="en-US" sz="825" dirty="0">
+                <a:solidFill>
+                  <a:srgbClr val="000000"/>
+                </a:solidFill>
+                <a:highlight>
+                  <a:srgbClr val="FFFFFF"/>
+                </a:highlight>
+                <a:latin typeface="Consolas" panose="020B0609020204030204" pitchFamily="49" charset="0"/>
+              </a:rPr>
+            </a:br>
+            <a:r>
+              <a:rPr lang="en-US" sz="825" dirty="0">
+                <a:solidFill>
+                  <a:srgbClr val="000000"/>
+                </a:solidFill>
+                <a:highlight>
+                  <a:srgbClr val="FFFFFF"/>
+                </a:highlight>
+                <a:latin typeface="Consolas" panose="020B0609020204030204" pitchFamily="49" charset="0"/>
+              </a:rPr>
+              <a:t> </a:t>
+            </a:r>
+            <a:br>
+              <a:rPr lang="en-US" sz="825" dirty="0">
+                <a:solidFill>
+                  <a:srgbClr val="000000"/>
+                </a:solidFill>
+                <a:highlight>
+                  <a:srgbClr val="FFFFFF"/>
+                </a:highlight>
+                <a:latin typeface="Consolas" panose="020B0609020204030204" pitchFamily="49" charset="0"/>
+              </a:rPr>
+            </a:br>
+            <a:r>
+              <a:rPr lang="en-US" sz="825" dirty="0" err="1">
+                <a:solidFill>
+                  <a:srgbClr val="0000FF"/>
+                </a:solidFill>
+                <a:highlight>
+                  <a:srgbClr val="FFFFFF"/>
+                </a:highlight>
+                <a:latin typeface="Consolas" panose="020B0609020204030204" pitchFamily="49" charset="0"/>
+              </a:rPr>
+              <a:t>var</a:t>
+            </a:r>
+            <a:r>
+              <a:rPr lang="en-US" sz="825" dirty="0">
+                <a:solidFill>
+                  <a:srgbClr val="000000"/>
+                </a:solidFill>
+                <a:highlight>
+                  <a:srgbClr val="FFFFFF"/>
+                </a:highlight>
+                <a:latin typeface="Consolas" panose="020B0609020204030204" pitchFamily="49" charset="0"/>
+              </a:rPr>
+              <a:t> table = mapping</a:t>
+            </a:r>
+            <a:br>
+              <a:rPr lang="en-US" sz="825" dirty="0">
+                <a:solidFill>
+                  <a:srgbClr val="000000"/>
+                </a:solidFill>
+                <a:highlight>
+                  <a:srgbClr val="FFFFFF"/>
+                </a:highlight>
+                <a:latin typeface="Consolas" panose="020B0609020204030204" pitchFamily="49" charset="0"/>
+              </a:rPr>
+            </a:br>
+            <a:r>
+              <a:rPr lang="en-US" sz="825" dirty="0">
+                <a:solidFill>
+                  <a:srgbClr val="000000"/>
+                </a:solidFill>
+                <a:highlight>
+                  <a:srgbClr val="FFFFFF"/>
+                </a:highlight>
+                <a:latin typeface="Consolas" panose="020B0609020204030204" pitchFamily="49" charset="0"/>
+              </a:rPr>
+              <a:t>    .</a:t>
+            </a:r>
+            <a:r>
+              <a:rPr lang="en-US" sz="825" dirty="0" err="1">
+                <a:solidFill>
+                  <a:srgbClr val="000000"/>
+                </a:solidFill>
+                <a:highlight>
+                  <a:srgbClr val="FFFFFF"/>
+                </a:highlight>
+                <a:latin typeface="Consolas" panose="020B0609020204030204" pitchFamily="49" charset="0"/>
+              </a:rPr>
+              <a:t>EntityTypeMappings.Single</a:t>
+            </a:r>
+            <a:r>
+              <a:rPr lang="en-US" sz="825" dirty="0">
+                <a:solidFill>
+                  <a:srgbClr val="000000"/>
+                </a:solidFill>
+                <a:highlight>
+                  <a:srgbClr val="FFFFFF"/>
+                </a:highlight>
+                <a:latin typeface="Consolas" panose="020B0609020204030204" pitchFamily="49" charset="0"/>
+              </a:rPr>
+              <a:t>()</a:t>
+            </a:r>
+            <a:br>
+              <a:rPr lang="en-US" sz="825" dirty="0">
+                <a:solidFill>
+                  <a:srgbClr val="000000"/>
+                </a:solidFill>
+                <a:highlight>
+                  <a:srgbClr val="FFFFFF"/>
+                </a:highlight>
+                <a:latin typeface="Consolas" panose="020B0609020204030204" pitchFamily="49" charset="0"/>
+              </a:rPr>
+            </a:br>
+            <a:r>
+              <a:rPr lang="en-US" sz="825" dirty="0">
+                <a:solidFill>
+                  <a:srgbClr val="000000"/>
+                </a:solidFill>
+                <a:highlight>
+                  <a:srgbClr val="FFFFFF"/>
+                </a:highlight>
+                <a:latin typeface="Consolas" panose="020B0609020204030204" pitchFamily="49" charset="0"/>
+              </a:rPr>
+              <a:t>    .</a:t>
+            </a:r>
+            <a:r>
+              <a:rPr lang="en-US" sz="825" dirty="0" err="1">
+                <a:solidFill>
+                  <a:srgbClr val="000000"/>
+                </a:solidFill>
+                <a:highlight>
+                  <a:srgbClr val="FFFFFF"/>
+                </a:highlight>
+                <a:latin typeface="Consolas" panose="020B0609020204030204" pitchFamily="49" charset="0"/>
+              </a:rPr>
+              <a:t>Fragments.Single</a:t>
+            </a:r>
+            <a:r>
+              <a:rPr lang="en-US" sz="825" dirty="0">
+                <a:solidFill>
+                  <a:srgbClr val="000000"/>
+                </a:solidFill>
+                <a:highlight>
+                  <a:srgbClr val="FFFFFF"/>
+                </a:highlight>
+                <a:latin typeface="Consolas" panose="020B0609020204030204" pitchFamily="49" charset="0"/>
+              </a:rPr>
+              <a:t>()</a:t>
+            </a:r>
+            <a:br>
+              <a:rPr lang="en-US" sz="825" dirty="0">
+                <a:solidFill>
+                  <a:srgbClr val="000000"/>
+                </a:solidFill>
+                <a:highlight>
+                  <a:srgbClr val="FFFFFF"/>
+                </a:highlight>
+                <a:latin typeface="Consolas" panose="020B0609020204030204" pitchFamily="49" charset="0"/>
+              </a:rPr>
+            </a:br>
+            <a:r>
+              <a:rPr lang="en-US" sz="825" dirty="0">
+                <a:solidFill>
+                  <a:srgbClr val="000000"/>
+                </a:solidFill>
+                <a:highlight>
+                  <a:srgbClr val="FFFFFF"/>
+                </a:highlight>
+                <a:latin typeface="Consolas" panose="020B0609020204030204" pitchFamily="49" charset="0"/>
+              </a:rPr>
+              <a:t>    .</a:t>
+            </a:r>
+            <a:r>
+              <a:rPr lang="en-US" sz="825" dirty="0" err="1">
+                <a:solidFill>
+                  <a:srgbClr val="000000"/>
+                </a:solidFill>
+                <a:highlight>
+                  <a:srgbClr val="FFFFFF"/>
+                </a:highlight>
+                <a:latin typeface="Consolas" panose="020B0609020204030204" pitchFamily="49" charset="0"/>
+              </a:rPr>
+              <a:t>StoreEntitySet</a:t>
+            </a:r>
+            <a:r>
+              <a:rPr lang="en-US" sz="825" dirty="0">
+                <a:solidFill>
+                  <a:srgbClr val="000000"/>
+                </a:solidFill>
+                <a:highlight>
+                  <a:srgbClr val="FFFFFF"/>
+                </a:highlight>
+                <a:latin typeface="Consolas" panose="020B0609020204030204" pitchFamily="49" charset="0"/>
+              </a:rPr>
+              <a:t>;</a:t>
+            </a:r>
+            <a:br>
+              <a:rPr lang="en-US" sz="825" dirty="0">
+                <a:solidFill>
+                  <a:srgbClr val="000000"/>
+                </a:solidFill>
+                <a:highlight>
+                  <a:srgbClr val="FFFFFF"/>
+                </a:highlight>
+                <a:latin typeface="Consolas" panose="020B0609020204030204" pitchFamily="49" charset="0"/>
+              </a:rPr>
+            </a:br>
+            <a:r>
+              <a:rPr lang="en-US" sz="825" dirty="0">
+                <a:solidFill>
+                  <a:srgbClr val="000000"/>
+                </a:solidFill>
+                <a:highlight>
+                  <a:srgbClr val="FFFFFF"/>
+                </a:highlight>
+                <a:latin typeface="Consolas" panose="020B0609020204030204" pitchFamily="49" charset="0"/>
+              </a:rPr>
+              <a:t/>
+            </a:r>
+            <a:br>
+              <a:rPr lang="en-US" sz="825" dirty="0">
+                <a:solidFill>
+                  <a:srgbClr val="000000"/>
+                </a:solidFill>
+                <a:highlight>
+                  <a:srgbClr val="FFFFFF"/>
+                </a:highlight>
+                <a:latin typeface="Consolas" panose="020B0609020204030204" pitchFamily="49" charset="0"/>
+              </a:rPr>
+            </a:br>
+            <a:r>
+              <a:rPr lang="en-US" sz="825" dirty="0" err="1">
+                <a:solidFill>
+                  <a:srgbClr val="0000FF"/>
+                </a:solidFill>
+                <a:highlight>
+                  <a:srgbClr val="FFFFFF"/>
+                </a:highlight>
+                <a:latin typeface="Consolas" panose="020B0609020204030204" pitchFamily="49" charset="0"/>
+              </a:rPr>
+              <a:t>var</a:t>
+            </a:r>
+            <a:r>
+              <a:rPr lang="en-US" sz="825" dirty="0">
+                <a:solidFill>
+                  <a:srgbClr val="000000"/>
+                </a:solidFill>
+                <a:highlight>
+                  <a:srgbClr val="FFFFFF"/>
+                </a:highlight>
+                <a:latin typeface="Consolas" panose="020B0609020204030204" pitchFamily="49" charset="0"/>
+              </a:rPr>
+              <a:t> </a:t>
+            </a:r>
+            <a:r>
+              <a:rPr lang="en-US" sz="825" dirty="0" err="1">
+                <a:solidFill>
+                  <a:srgbClr val="000000"/>
+                </a:solidFill>
+                <a:highlight>
+                  <a:srgbClr val="FFFFFF"/>
+                </a:highlight>
+                <a:latin typeface="Consolas" panose="020B0609020204030204" pitchFamily="49" charset="0"/>
+              </a:rPr>
+              <a:t>tableName</a:t>
+            </a:r>
+            <a:r>
+              <a:rPr lang="en-US" sz="825" dirty="0">
+                <a:solidFill>
+                  <a:srgbClr val="000000"/>
+                </a:solidFill>
+                <a:highlight>
+                  <a:srgbClr val="FFFFFF"/>
+                </a:highlight>
+                <a:latin typeface="Consolas" panose="020B0609020204030204" pitchFamily="49" charset="0"/>
+              </a:rPr>
+              <a:t> = (</a:t>
+            </a:r>
+            <a:r>
+              <a:rPr lang="en-US" sz="825" dirty="0">
+                <a:solidFill>
+                  <a:srgbClr val="0000FF"/>
+                </a:solidFill>
+                <a:highlight>
+                  <a:srgbClr val="FFFFFF"/>
+                </a:highlight>
+                <a:latin typeface="Consolas" panose="020B0609020204030204" pitchFamily="49" charset="0"/>
+              </a:rPr>
+              <a:t>string</a:t>
+            </a:r>
+            <a:r>
+              <a:rPr lang="en-US" sz="825" dirty="0">
+                <a:solidFill>
+                  <a:srgbClr val="000000"/>
+                </a:solidFill>
+                <a:highlight>
+                  <a:srgbClr val="FFFFFF"/>
+                </a:highlight>
+                <a:latin typeface="Consolas" panose="020B0609020204030204" pitchFamily="49" charset="0"/>
+              </a:rPr>
+              <a:t>)</a:t>
+            </a:r>
+            <a:r>
+              <a:rPr lang="en-US" sz="825" dirty="0" err="1">
+                <a:solidFill>
+                  <a:srgbClr val="000000"/>
+                </a:solidFill>
+                <a:highlight>
+                  <a:srgbClr val="FFFFFF"/>
+                </a:highlight>
+                <a:latin typeface="Consolas" panose="020B0609020204030204" pitchFamily="49" charset="0"/>
+              </a:rPr>
+              <a:t>table.MetadataProperties</a:t>
+            </a:r>
+            <a:r>
+              <a:rPr lang="en-US" sz="825" dirty="0">
+                <a:solidFill>
+                  <a:srgbClr val="000000"/>
+                </a:solidFill>
+                <a:highlight>
+                  <a:srgbClr val="FFFFFF"/>
+                </a:highlight>
+                <a:latin typeface="Consolas" panose="020B0609020204030204" pitchFamily="49" charset="0"/>
+              </a:rPr>
+              <a:t>[</a:t>
+            </a:r>
+            <a:r>
+              <a:rPr lang="en-US" sz="825" dirty="0">
+                <a:solidFill>
+                  <a:srgbClr val="A31515"/>
+                </a:solidFill>
+                <a:highlight>
+                  <a:srgbClr val="FFFFFF"/>
+                </a:highlight>
+                <a:latin typeface="Consolas" panose="020B0609020204030204" pitchFamily="49" charset="0"/>
+              </a:rPr>
+              <a:t>"Table"</a:t>
+            </a:r>
+            <a:r>
+              <a:rPr lang="en-US" sz="825" dirty="0">
+                <a:solidFill>
+                  <a:srgbClr val="000000"/>
+                </a:solidFill>
+                <a:highlight>
+                  <a:srgbClr val="FFFFFF"/>
+                </a:highlight>
+                <a:latin typeface="Consolas" panose="020B0609020204030204" pitchFamily="49" charset="0"/>
+              </a:rPr>
+              <a:t>].Value </a:t>
+            </a:r>
+            <a:br>
+              <a:rPr lang="en-US" sz="825" dirty="0">
+                <a:solidFill>
+                  <a:srgbClr val="000000"/>
+                </a:solidFill>
+                <a:highlight>
+                  <a:srgbClr val="FFFFFF"/>
+                </a:highlight>
+                <a:latin typeface="Consolas" panose="020B0609020204030204" pitchFamily="49" charset="0"/>
+              </a:rPr>
+            </a:br>
+            <a:r>
+              <a:rPr lang="en-US" sz="825" dirty="0">
+                <a:solidFill>
+                  <a:srgbClr val="000000"/>
+                </a:solidFill>
+                <a:highlight>
+                  <a:srgbClr val="FFFFFF"/>
+                </a:highlight>
+                <a:latin typeface="Consolas" panose="020B0609020204030204" pitchFamily="49" charset="0"/>
+              </a:rPr>
+              <a:t>    ?? </a:t>
+            </a:r>
+            <a:r>
+              <a:rPr lang="en-US" sz="825" dirty="0" err="1">
+                <a:solidFill>
+                  <a:srgbClr val="000000"/>
+                </a:solidFill>
+                <a:highlight>
+                  <a:srgbClr val="FFFFFF"/>
+                </a:highlight>
+                <a:latin typeface="Consolas" panose="020B0609020204030204" pitchFamily="49" charset="0"/>
+              </a:rPr>
+              <a:t>table.Name</a:t>
+            </a:r>
+            <a:r>
+              <a:rPr lang="en-US" sz="825" dirty="0">
+                <a:solidFill>
+                  <a:srgbClr val="000000"/>
+                </a:solidFill>
+                <a:highlight>
+                  <a:srgbClr val="FFFFFF"/>
+                </a:highlight>
+                <a:latin typeface="Consolas" panose="020B0609020204030204" pitchFamily="49" charset="0"/>
+              </a:rPr>
+              <a:t>;</a:t>
+            </a:r>
+            <a:endParaRPr lang="en-US" sz="825" dirty="0">
+              <a:solidFill>
+                <a:srgbClr val="616161"/>
+              </a:solidFill>
+              <a:latin typeface="Consolas" panose="020B0609020204030204" pitchFamily="49" charset="0"/>
+              <a:cs typeface="Consolas" panose="020B0609020204030204" pitchFamily="49" charset="0"/>
+            </a:endParaRPr>
+          </a:p>
+        </p:txBody>
+      </p:sp>
+      <p:sp>
+        <p:nvSpPr>
+          <p:cNvPr id="4" name="Text Placeholder 3"/>
+          <p:cNvSpPr>
+            <a:spLocks noGrp="1"/>
+          </p:cNvSpPr>
+          <p:nvPr>
+            <p:ph type="body" sz="quarter" idx="3"/>
+          </p:nvPr>
+        </p:nvSpPr>
+        <p:spPr>
+          <a:xfrm>
+            <a:off x="4700077" y="998215"/>
+            <a:ext cx="4354047" cy="479753"/>
+          </a:xfrm>
+          <a:solidFill>
+            <a:srgbClr val="BAD80A"/>
+          </a:solidFill>
+        </p:spPr>
+        <p:txBody>
+          <a:bodyPr/>
+          <a:lstStyle/>
+          <a:p>
+            <a:r>
+              <a:rPr lang="en-US" dirty="0" smtClean="0"/>
+              <a:t>EF7</a:t>
+            </a:r>
+            <a:endParaRPr lang="en-US" dirty="0"/>
+          </a:p>
+        </p:txBody>
+      </p:sp>
+      <p:sp>
+        <p:nvSpPr>
+          <p:cNvPr id="5" name="Content Placeholder 4"/>
+          <p:cNvSpPr>
+            <a:spLocks noGrp="1"/>
+          </p:cNvSpPr>
+          <p:nvPr>
+            <p:ph sz="quarter" idx="4"/>
+          </p:nvPr>
+        </p:nvSpPr>
+        <p:spPr>
+          <a:xfrm>
+            <a:off x="4700077" y="1486054"/>
+            <a:ext cx="4354047" cy="249997"/>
+          </a:xfrm>
+          <a:solidFill>
+            <a:schemeClr val="bg1"/>
+          </a:solidFill>
+        </p:spPr>
+        <p:txBody>
+          <a:bodyPr/>
+          <a:lstStyle/>
+          <a:p>
+            <a:pPr marL="0" indent="0">
+              <a:buNone/>
+            </a:pPr>
+            <a:r>
+              <a:rPr lang="en-US" sz="825" dirty="0" err="1">
+                <a:solidFill>
+                  <a:srgbClr val="0000FF"/>
+                </a:solidFill>
+                <a:highlight>
+                  <a:srgbClr val="FFFFFF"/>
+                </a:highlight>
+                <a:latin typeface="Consolas" panose="020B0609020204030204" pitchFamily="49" charset="0"/>
+              </a:rPr>
+              <a:t>var</a:t>
+            </a:r>
+            <a:r>
+              <a:rPr lang="en-US" sz="825" dirty="0">
+                <a:solidFill>
+                  <a:srgbClr val="000000"/>
+                </a:solidFill>
+                <a:highlight>
+                  <a:srgbClr val="FFFFFF"/>
+                </a:highlight>
+                <a:latin typeface="Consolas" panose="020B0609020204030204" pitchFamily="49" charset="0"/>
+              </a:rPr>
+              <a:t> table = </a:t>
+            </a:r>
+            <a:r>
+              <a:rPr lang="en-US" sz="825" dirty="0" err="1">
+                <a:solidFill>
+                  <a:srgbClr val="000000"/>
+                </a:solidFill>
+                <a:highlight>
+                  <a:srgbClr val="FFFFFF"/>
+                </a:highlight>
+                <a:latin typeface="Consolas" panose="020B0609020204030204" pitchFamily="49" charset="0"/>
+              </a:rPr>
+              <a:t>context.Model.GetEntityType</a:t>
+            </a:r>
+            <a:r>
+              <a:rPr lang="en-US" sz="825" dirty="0">
+                <a:solidFill>
+                  <a:srgbClr val="000000"/>
+                </a:solidFill>
+                <a:highlight>
+                  <a:srgbClr val="FFFFFF"/>
+                </a:highlight>
+                <a:latin typeface="Consolas" panose="020B0609020204030204" pitchFamily="49" charset="0"/>
+              </a:rPr>
+              <a:t>(</a:t>
+            </a:r>
+            <a:r>
+              <a:rPr lang="en-US" sz="825" dirty="0" err="1">
+                <a:solidFill>
+                  <a:srgbClr val="0000FF"/>
+                </a:solidFill>
+                <a:highlight>
+                  <a:srgbClr val="FFFFFF"/>
+                </a:highlight>
+                <a:latin typeface="Consolas" panose="020B0609020204030204" pitchFamily="49" charset="0"/>
+              </a:rPr>
+              <a:t>typeof</a:t>
+            </a:r>
+            <a:r>
+              <a:rPr lang="en-US" sz="825" dirty="0">
+                <a:solidFill>
+                  <a:srgbClr val="000000"/>
+                </a:solidFill>
+                <a:highlight>
+                  <a:srgbClr val="FFFFFF"/>
+                </a:highlight>
+                <a:latin typeface="Consolas" panose="020B0609020204030204" pitchFamily="49" charset="0"/>
+              </a:rPr>
+              <a:t>(</a:t>
+            </a:r>
+            <a:r>
+              <a:rPr lang="en-US" sz="825" dirty="0">
+                <a:solidFill>
+                  <a:srgbClr val="2B91AF"/>
+                </a:solidFill>
+                <a:highlight>
+                  <a:srgbClr val="FFFFFF"/>
+                </a:highlight>
+                <a:latin typeface="Consolas" panose="020B0609020204030204" pitchFamily="49" charset="0"/>
+              </a:rPr>
+              <a:t>Blog</a:t>
+            </a:r>
+            <a:r>
+              <a:rPr lang="en-US" sz="825" dirty="0">
+                <a:solidFill>
+                  <a:srgbClr val="000000"/>
+                </a:solidFill>
+                <a:highlight>
+                  <a:srgbClr val="FFFFFF"/>
+                </a:highlight>
+                <a:latin typeface="Consolas" panose="020B0609020204030204" pitchFamily="49" charset="0"/>
+              </a:rPr>
+              <a:t>)).Relational().Table</a:t>
+            </a:r>
+            <a:endParaRPr lang="en-US" sz="825" dirty="0"/>
+          </a:p>
+        </p:txBody>
+      </p:sp>
+      <p:sp>
+        <p:nvSpPr>
+          <p:cNvPr id="6" name="Title 5"/>
           <p:cNvSpPr>
             <a:spLocks noGrp="1"/>
           </p:cNvSpPr>
@@ -13147,96 +15659,464 @@
             <p:ph type="title"/>
           </p:nvPr>
         </p:nvSpPr>
-        <p:spPr>
-          <a:xfrm>
-            <a:off x="269263" y="217136"/>
-            <a:ext cx="8600807" cy="956668"/>
-          </a:xfrm>
-        </p:spPr>
+        <p:spPr/>
         <p:txBody>
           <a:bodyPr/>
           <a:lstStyle/>
           <a:p>
             <a:r>
-              <a:rPr lang="en-US" sz="6400" dirty="0" smtClean="0"/>
-              <a:t>Demo</a:t>
-            </a:r>
-            <a:endParaRPr lang="en-US" sz="6400" dirty="0"/>
-          </a:p>
-        </p:txBody>
-      </p:sp>
-      <p:sp>
-        <p:nvSpPr>
-          <p:cNvPr id="6" name="Title 1"/>
-          <p:cNvSpPr txBox="1">
-            <a:spLocks/>
-          </p:cNvSpPr>
-          <p:nvPr/>
-        </p:nvSpPr>
-        <p:spPr>
-          <a:xfrm>
-            <a:off x="308173" y="1067094"/>
-            <a:ext cx="8600807" cy="956668"/>
-          </a:xfrm>
-          <a:prstGeom prst="rect">
-            <a:avLst/>
-          </a:prstGeom>
-        </p:spPr>
-        <p:txBody>
-          <a:bodyPr vert="horz" wrap="square" lIns="107536" tIns="67211" rIns="107536" bIns="67211" rtlCol="0" anchor="t">
-            <a:noAutofit/>
-          </a:bodyPr>
-          <a:lstStyle>
-            <a:lvl1pPr algn="l" defTabSz="685585" rtl="0" eaLnBrk="1" latinLnBrk="0" hangingPunct="1">
-              <a:lnSpc>
-                <a:spcPct val="90000"/>
-              </a:lnSpc>
-              <a:spcBef>
-                <a:spcPct val="0"/>
-              </a:spcBef>
-              <a:buNone/>
-              <a:defRPr lang="en-US" sz="3900" b="0" kern="1200" cap="none" spc="-75" baseline="0" dirty="0" smtClean="0">
-                <a:ln w="3175">
-                  <a:noFill/>
-                </a:ln>
-                <a:solidFill>
-                  <a:srgbClr val="616161"/>
-                </a:solidFill>
-                <a:effectLst/>
-                <a:latin typeface="+mj-lt"/>
-                <a:ea typeface="+mn-ea"/>
-                <a:cs typeface="Segoe UI" pitchFamily="34" charset="0"/>
-              </a:defRPr>
-            </a:lvl1pPr>
-          </a:lstStyle>
-          <a:p>
-            <a:r>
-              <a:rPr lang="en-US" sz="3600" dirty="0" smtClean="0"/>
-              <a:t>Phone/Store with SQLite</a:t>
-            </a:r>
-            <a:endParaRPr lang="en-US" sz="3600" dirty="0"/>
+              <a:rPr lang="en-US" dirty="0" smtClean="0"/>
+              <a:t>Finding class-to-table mapping </a:t>
+            </a:r>
+            <a:endParaRPr lang="en-US" dirty="0"/>
           </a:p>
         </p:txBody>
       </p:sp>
     </p:spTree>
     <p:extLst>
       <p:ext uri="{BB962C8B-B14F-4D97-AF65-F5344CB8AC3E}">
-        <p14:creationId xmlns:p14="http://schemas.microsoft.com/office/powerpoint/2010/main" val="3015813179"/>
+        <p14:creationId xmlns:p14="http://schemas.microsoft.com/office/powerpoint/2010/main" val="3803564721"/>
       </p:ext>
     </p:extLst>
   </p:cSld>
   <p:clrMapOvr>
     <a:masterClrMapping/>
   </p:clrMapOvr>
-  <p:transition>
-    <p:fade/>
-  </p:transition>
   <p:timing>
     <p:tnLst>
       <p:par>
-        <p:cTn id="1" dur="indefinite" restart="never" nodeType="tmRoot"/>
+        <p:cTn id="1" dur="indefinite" restart="never" nodeType="tmRoot">
+          <p:childTnLst>
+            <p:seq concurrent="1" nextAc="seek">
+              <p:cTn id="2" dur="indefinite" nodeType="mainSeq">
+                <p:childTnLst>
+                  <p:par>
+                    <p:cTn id="3" fill="hold">
+                      <p:stCondLst>
+                        <p:cond delay="indefinite"/>
+                      </p:stCondLst>
+                      <p:childTnLst>
+                        <p:par>
+                          <p:cTn id="4" fill="hold">
+                            <p:stCondLst>
+                              <p:cond delay="0"/>
+                            </p:stCondLst>
+                            <p:childTnLst>
+                              <p:par>
+                                <p:cTn id="5" presetID="10" presetClass="entr" presetSubtype="0" fill="hold" grpId="0" nodeType="clickEffect">
+                                  <p:stCondLst>
+                                    <p:cond delay="0"/>
+                                  </p:stCondLst>
+                                  <p:childTnLst>
+                                    <p:set>
+                                      <p:cBhvr>
+                                        <p:cTn id="6" dur="1" fill="hold">
+                                          <p:stCondLst>
+                                            <p:cond delay="0"/>
+                                          </p:stCondLst>
+                                        </p:cTn>
+                                        <p:tgtEl>
+                                          <p:spTgt spid="2">
+                                            <p:bg/>
+                                          </p:spTgt>
+                                        </p:tgtEl>
+                                        <p:attrNameLst>
+                                          <p:attrName>style.visibility</p:attrName>
+                                        </p:attrNameLst>
+                                      </p:cBhvr>
+                                      <p:to>
+                                        <p:strVal val="visible"/>
+                                      </p:to>
+                                    </p:set>
+                                    <p:animEffect transition="in" filter="fade">
+                                      <p:cBhvr>
+                                        <p:cTn id="7" dur="500"/>
+                                        <p:tgtEl>
+                                          <p:spTgt spid="2">
+                                            <p:bg/>
+                                          </p:spTgt>
+                                        </p:tgtEl>
+                                      </p:cBhvr>
+                                    </p:animEffect>
+                                  </p:childTnLst>
+                                </p:cTn>
+                              </p:par>
+                              <p:par>
+                                <p:cTn id="8" presetID="10" presetClass="entr" presetSubtype="0" fill="hold" grpId="0" nodeType="withEffect">
+                                  <p:stCondLst>
+                                    <p:cond delay="0"/>
+                                  </p:stCondLst>
+                                  <p:childTnLst>
+                                    <p:set>
+                                      <p:cBhvr>
+                                        <p:cTn id="9" dur="1" fill="hold">
+                                          <p:stCondLst>
+                                            <p:cond delay="0"/>
+                                          </p:stCondLst>
+                                        </p:cTn>
+                                        <p:tgtEl>
+                                          <p:spTgt spid="2">
+                                            <p:txEl>
+                                              <p:pRg st="0" end="0"/>
+                                            </p:txEl>
+                                          </p:spTgt>
+                                        </p:tgtEl>
+                                        <p:attrNameLst>
+                                          <p:attrName>style.visibility</p:attrName>
+                                        </p:attrNameLst>
+                                      </p:cBhvr>
+                                      <p:to>
+                                        <p:strVal val="visible"/>
+                                      </p:to>
+                                    </p:set>
+                                    <p:animEffect transition="in" filter="fade">
+                                      <p:cBhvr>
+                                        <p:cTn id="10" dur="500"/>
+                                        <p:tgtEl>
+                                          <p:spTgt spid="2">
+                                            <p:txEl>
+                                              <p:pRg st="0" end="0"/>
+                                            </p:txEl>
+                                          </p:spTgt>
+                                        </p:tgtEl>
+                                      </p:cBhvr>
+                                    </p:animEffect>
+                                  </p:childTnLst>
+                                </p:cTn>
+                              </p:par>
+                            </p:childTnLst>
+                          </p:cTn>
+                        </p:par>
+                        <p:par>
+                          <p:cTn id="11" fill="hold">
+                            <p:stCondLst>
+                              <p:cond delay="500"/>
+                            </p:stCondLst>
+                            <p:childTnLst>
+                              <p:par>
+                                <p:cTn id="12" presetID="22" presetClass="entr" presetSubtype="1" fill="hold" grpId="0" nodeType="afterEffect">
+                                  <p:stCondLst>
+                                    <p:cond delay="0"/>
+                                  </p:stCondLst>
+                                  <p:childTnLst>
+                                    <p:set>
+                                      <p:cBhvr>
+                                        <p:cTn id="13" dur="1" fill="hold">
+                                          <p:stCondLst>
+                                            <p:cond delay="0"/>
+                                          </p:stCondLst>
+                                        </p:cTn>
+                                        <p:tgtEl>
+                                          <p:spTgt spid="3">
+                                            <p:bg/>
+                                          </p:spTgt>
+                                        </p:tgtEl>
+                                        <p:attrNameLst>
+                                          <p:attrName>style.visibility</p:attrName>
+                                        </p:attrNameLst>
+                                      </p:cBhvr>
+                                      <p:to>
+                                        <p:strVal val="visible"/>
+                                      </p:to>
+                                    </p:set>
+                                    <p:animEffect transition="in" filter="wipe(up)">
+                                      <p:cBhvr>
+                                        <p:cTn id="14" dur="500"/>
+                                        <p:tgtEl>
+                                          <p:spTgt spid="3">
+                                            <p:bg/>
+                                          </p:spTgt>
+                                        </p:tgtEl>
+                                      </p:cBhvr>
+                                    </p:animEffect>
+                                  </p:childTnLst>
+                                </p:cTn>
+                              </p:par>
+                            </p:childTnLst>
+                          </p:cTn>
+                        </p:par>
+                        <p:par>
+                          <p:cTn id="15" fill="hold">
+                            <p:stCondLst>
+                              <p:cond delay="1000"/>
+                            </p:stCondLst>
+                            <p:childTnLst>
+                              <p:par>
+                                <p:cTn id="16" presetID="22" presetClass="entr" presetSubtype="1" fill="hold" grpId="0" nodeType="afterEffect">
+                                  <p:stCondLst>
+                                    <p:cond delay="0"/>
+                                  </p:stCondLst>
+                                  <p:childTnLst>
+                                    <p:set>
+                                      <p:cBhvr>
+                                        <p:cTn id="17" dur="1" fill="hold">
+                                          <p:stCondLst>
+                                            <p:cond delay="0"/>
+                                          </p:stCondLst>
+                                        </p:cTn>
+                                        <p:tgtEl>
+                                          <p:spTgt spid="3">
+                                            <p:txEl>
+                                              <p:pRg st="0" end="0"/>
+                                            </p:txEl>
+                                          </p:spTgt>
+                                        </p:tgtEl>
+                                        <p:attrNameLst>
+                                          <p:attrName>style.visibility</p:attrName>
+                                        </p:attrNameLst>
+                                      </p:cBhvr>
+                                      <p:to>
+                                        <p:strVal val="visible"/>
+                                      </p:to>
+                                    </p:set>
+                                    <p:animEffect transition="in" filter="wipe(up)">
+                                      <p:cBhvr>
+                                        <p:cTn id="18" dur="500"/>
+                                        <p:tgtEl>
+                                          <p:spTgt spid="3">
+                                            <p:txEl>
+                                              <p:pRg st="0" end="0"/>
+                                            </p:txEl>
+                                          </p:spTgt>
+                                        </p:tgtEl>
+                                      </p:cBhvr>
+                                    </p:animEffect>
+                                  </p:childTnLst>
+                                </p:cTn>
+                              </p:par>
+                            </p:childTnLst>
+                          </p:cTn>
+                        </p:par>
+                      </p:childTnLst>
+                    </p:cTn>
+                  </p:par>
+                  <p:par>
+                    <p:cTn id="19" fill="hold">
+                      <p:stCondLst>
+                        <p:cond delay="indefinite"/>
+                      </p:stCondLst>
+                      <p:childTnLst>
+                        <p:par>
+                          <p:cTn id="20" fill="hold">
+                            <p:stCondLst>
+                              <p:cond delay="0"/>
+                            </p:stCondLst>
+                            <p:childTnLst>
+                              <p:par>
+                                <p:cTn id="21" presetID="10" presetClass="entr" presetSubtype="0" fill="hold" grpId="0" nodeType="clickEffect">
+                                  <p:stCondLst>
+                                    <p:cond delay="0"/>
+                                  </p:stCondLst>
+                                  <p:childTnLst>
+                                    <p:set>
+                                      <p:cBhvr>
+                                        <p:cTn id="22" dur="1" fill="hold">
+                                          <p:stCondLst>
+                                            <p:cond delay="0"/>
+                                          </p:stCondLst>
+                                        </p:cTn>
+                                        <p:tgtEl>
+                                          <p:spTgt spid="4">
+                                            <p:bg/>
+                                          </p:spTgt>
+                                        </p:tgtEl>
+                                        <p:attrNameLst>
+                                          <p:attrName>style.visibility</p:attrName>
+                                        </p:attrNameLst>
+                                      </p:cBhvr>
+                                      <p:to>
+                                        <p:strVal val="visible"/>
+                                      </p:to>
+                                    </p:set>
+                                    <p:animEffect transition="in" filter="fade">
+                                      <p:cBhvr>
+                                        <p:cTn id="23" dur="500"/>
+                                        <p:tgtEl>
+                                          <p:spTgt spid="4">
+                                            <p:bg/>
+                                          </p:spTgt>
+                                        </p:tgtEl>
+                                      </p:cBhvr>
+                                    </p:animEffect>
+                                  </p:childTnLst>
+                                </p:cTn>
+                              </p:par>
+                              <p:par>
+                                <p:cTn id="24" presetID="10" presetClass="entr" presetSubtype="0" fill="hold" grpId="0" nodeType="withEffect">
+                                  <p:stCondLst>
+                                    <p:cond delay="0"/>
+                                  </p:stCondLst>
+                                  <p:childTnLst>
+                                    <p:set>
+                                      <p:cBhvr>
+                                        <p:cTn id="25" dur="1" fill="hold">
+                                          <p:stCondLst>
+                                            <p:cond delay="0"/>
+                                          </p:stCondLst>
+                                        </p:cTn>
+                                        <p:tgtEl>
+                                          <p:spTgt spid="4">
+                                            <p:txEl>
+                                              <p:pRg st="0" end="0"/>
+                                            </p:txEl>
+                                          </p:spTgt>
+                                        </p:tgtEl>
+                                        <p:attrNameLst>
+                                          <p:attrName>style.visibility</p:attrName>
+                                        </p:attrNameLst>
+                                      </p:cBhvr>
+                                      <p:to>
+                                        <p:strVal val="visible"/>
+                                      </p:to>
+                                    </p:set>
+                                    <p:animEffect transition="in" filter="fade">
+                                      <p:cBhvr>
+                                        <p:cTn id="26" dur="500"/>
+                                        <p:tgtEl>
+                                          <p:spTgt spid="4">
+                                            <p:txEl>
+                                              <p:pRg st="0" end="0"/>
+                                            </p:txEl>
+                                          </p:spTgt>
+                                        </p:tgtEl>
+                                      </p:cBhvr>
+                                    </p:animEffect>
+                                  </p:childTnLst>
+                                </p:cTn>
+                              </p:par>
+                            </p:childTnLst>
+                          </p:cTn>
+                        </p:par>
+                        <p:par>
+                          <p:cTn id="27" fill="hold">
+                            <p:stCondLst>
+                              <p:cond delay="500"/>
+                            </p:stCondLst>
+                            <p:childTnLst>
+                              <p:par>
+                                <p:cTn id="28" presetID="22" presetClass="entr" presetSubtype="1" fill="hold" grpId="0" nodeType="afterEffect">
+                                  <p:stCondLst>
+                                    <p:cond delay="0"/>
+                                  </p:stCondLst>
+                                  <p:childTnLst>
+                                    <p:set>
+                                      <p:cBhvr>
+                                        <p:cTn id="29" dur="1" fill="hold">
+                                          <p:stCondLst>
+                                            <p:cond delay="0"/>
+                                          </p:stCondLst>
+                                        </p:cTn>
+                                        <p:tgtEl>
+                                          <p:spTgt spid="5">
+                                            <p:bg/>
+                                          </p:spTgt>
+                                        </p:tgtEl>
+                                        <p:attrNameLst>
+                                          <p:attrName>style.visibility</p:attrName>
+                                        </p:attrNameLst>
+                                      </p:cBhvr>
+                                      <p:to>
+                                        <p:strVal val="visible"/>
+                                      </p:to>
+                                    </p:set>
+                                    <p:animEffect transition="in" filter="wipe(up)">
+                                      <p:cBhvr>
+                                        <p:cTn id="30" dur="500"/>
+                                        <p:tgtEl>
+                                          <p:spTgt spid="5">
+                                            <p:bg/>
+                                          </p:spTgt>
+                                        </p:tgtEl>
+                                      </p:cBhvr>
+                                    </p:animEffect>
+                                  </p:childTnLst>
+                                </p:cTn>
+                              </p:par>
+                            </p:childTnLst>
+                          </p:cTn>
+                        </p:par>
+                        <p:par>
+                          <p:cTn id="31" fill="hold">
+                            <p:stCondLst>
+                              <p:cond delay="1000"/>
+                            </p:stCondLst>
+                            <p:childTnLst>
+                              <p:par>
+                                <p:cTn id="32" presetID="22" presetClass="entr" presetSubtype="1" fill="hold" grpId="0" nodeType="afterEffect">
+                                  <p:stCondLst>
+                                    <p:cond delay="0"/>
+                                  </p:stCondLst>
+                                  <p:childTnLst>
+                                    <p:set>
+                                      <p:cBhvr>
+                                        <p:cTn id="33" dur="1" fill="hold">
+                                          <p:stCondLst>
+                                            <p:cond delay="0"/>
+                                          </p:stCondLst>
+                                        </p:cTn>
+                                        <p:tgtEl>
+                                          <p:spTgt spid="5">
+                                            <p:txEl>
+                                              <p:pRg st="0" end="0"/>
+                                            </p:txEl>
+                                          </p:spTgt>
+                                        </p:tgtEl>
+                                        <p:attrNameLst>
+                                          <p:attrName>style.visibility</p:attrName>
+                                        </p:attrNameLst>
+                                      </p:cBhvr>
+                                      <p:to>
+                                        <p:strVal val="visible"/>
+                                      </p:to>
+                                    </p:set>
+                                    <p:animEffect transition="in" filter="wipe(up)">
+                                      <p:cBhvr>
+                                        <p:cTn id="34" dur="500"/>
+                                        <p:tgtEl>
+                                          <p:spTgt spid="5">
+                                            <p:txEl>
+                                              <p:pRg st="0" end="0"/>
+                                            </p:txEl>
+                                          </p:spTgt>
+                                        </p:tgtEl>
+                                      </p:cBhvr>
+                                    </p:animEffect>
+                                  </p:childTnLst>
+                                </p:cTn>
+                              </p:par>
+                            </p:childTnLst>
+                          </p:cTn>
+                        </p:par>
+                      </p:childTnLst>
+                    </p:cTn>
+                  </p:par>
+                </p:childTnLst>
+              </p:cTn>
+              <p:prevCondLst>
+                <p:cond evt="onPrev" delay="0">
+                  <p:tgtEl>
+                    <p:sldTgt/>
+                  </p:tgtEl>
+                </p:cond>
+              </p:prevCondLst>
+              <p:nextCondLst>
+                <p:cond evt="onNext" delay="0">
+                  <p:tgtEl>
+                    <p:sldTgt/>
+                  </p:tgtEl>
+                </p:cond>
+              </p:nextCondLst>
+            </p:seq>
+          </p:childTnLst>
+        </p:cTn>
       </p:par>
     </p:tnLst>
+    <p:bldLst>
+      <p:bldP spid="2" grpId="0" build="p" animBg="1"/>
+      <p:bldP spid="3" grpId="0" build="p" animBg="1"/>
+      <p:bldP spid="4" grpId="0" build="p" animBg="1"/>
+      <p:bldP spid="5" grpId="0" build="p" animBg="1"/>
+    </p:bldLst>
   </p:timing>
 </p:sld>
 </file>
@@ -14422,12 +17302,6 @@
 </file>
 
 <file path=customXml/item1.xml><?xml version="1.0" encoding="utf-8"?>
-<p:properties xmlns:p="http://schemas.microsoft.com/office/2006/metadata/properties" xmlns:xsi="http://www.w3.org/2001/XMLSchema-instance" xmlns:pc="http://schemas.microsoft.com/office/infopath/2007/PartnerControls">
-  <documentManagement/>
-</p:properties>
-</file>
-
-<file path=customXml/item2.xml><?xml version="1.0" encoding="utf-8"?>
 <ct:contentTypeSchema xmlns:ct="http://schemas.microsoft.com/office/2006/metadata/contentType" xmlns:ma="http://schemas.microsoft.com/office/2006/metadata/properties/metaAttributes" ct:_="" ma:_="" ma:contentTypeName="Document" ma:contentTypeID="0x010100CC1F4DABE025244FB5A1A70F31BDFC1F" ma:contentTypeVersion="1" ma:contentTypeDescription="Create a new document." ma:contentTypeScope="" ma:versionID="8906a534ea90d028a0eb2060cf3603e0">
   <xsd:schema xmlns:xsd="http://www.w3.org/2001/XMLSchema" xmlns:xs="http://www.w3.org/2001/XMLSchema" xmlns:p="http://schemas.microsoft.com/office/2006/metadata/properties" xmlns:ns3="4fa5281c-a67c-4788-8e68-55294987fe85" targetNamespace="http://schemas.microsoft.com/office/2006/metadata/properties" ma:root="true" ma:fieldsID="1d34dfc634a00da3143ef288d9aa1eaa" ns3:_="">
     <xsd:import namespace="4fa5281c-a67c-4788-8e68-55294987fe85"/>
@@ -14567,7 +17441,7 @@
 </ct:contentTypeSchema>
 </file>
 
-<file path=customXml/item3.xml><?xml version="1.0" encoding="utf-8"?>
+<file path=customXml/item2.xml><?xml version="1.0" encoding="utf-8"?>
 <?mso-contentType ?>
 <FormTemplates xmlns="http://schemas.microsoft.com/sharepoint/v3/contenttype/forms">
   <Display>DocumentLibraryForm</Display>
@@ -14576,16 +17450,13 @@
 </FormTemplates>
 </file>
 
-<file path=customXml/itemProps1.xml><?xml version="1.0" encoding="utf-8"?>
-<ds:datastoreItem xmlns:ds="http://schemas.openxmlformats.org/officeDocument/2006/customXml" ds:itemID="{F990F116-B58F-4255-B05B-DA3808E0E5C6}">
-  <ds:schemaRefs>
-    <ds:schemaRef ds:uri="http://schemas.microsoft.com/office/2006/metadata/properties"/>
-    <ds:schemaRef ds:uri="http://schemas.microsoft.com/office/infopath/2007/PartnerControls"/>
-  </ds:schemaRefs>
-</ds:datastoreItem>
+<file path=customXml/item3.xml><?xml version="1.0" encoding="utf-8"?>
+<p:properties xmlns:p="http://schemas.microsoft.com/office/2006/metadata/properties" xmlns:xsi="http://www.w3.org/2001/XMLSchema-instance" xmlns:pc="http://schemas.microsoft.com/office/infopath/2007/PartnerControls">
+  <documentManagement/>
+</p:properties>
 </file>
 
-<file path=customXml/itemProps2.xml><?xml version="1.0" encoding="utf-8"?>
+<file path=customXml/itemProps1.xml><?xml version="1.0" encoding="utf-8"?>
 <ds:datastoreItem xmlns:ds="http://schemas.openxmlformats.org/officeDocument/2006/customXml" ds:itemID="{CC415789-93F3-4FE8-89BF-8A91CD7C109D}">
   <ds:schemaRefs>
     <ds:schemaRef ds:uri="http://schemas.microsoft.com/office/2006/metadata/contentType"/>
@@ -14603,10 +17474,19 @@
 </ds:datastoreItem>
 </file>
 
-<file path=customXml/itemProps3.xml><?xml version="1.0" encoding="utf-8"?>
+<file path=customXml/itemProps2.xml><?xml version="1.0" encoding="utf-8"?>
 <ds:datastoreItem xmlns:ds="http://schemas.openxmlformats.org/officeDocument/2006/customXml" ds:itemID="{758FDAC0-319D-4A54-8D8E-1D42CB1F8004}">
   <ds:schemaRefs>
     <ds:schemaRef ds:uri="http://schemas.microsoft.com/sharepoint/v3/contenttype/forms"/>
   </ds:schemaRefs>
 </ds:datastoreItem>
+</file>
+
+<file path=customXml/itemProps3.xml><?xml version="1.0" encoding="utf-8"?>
+<ds:datastoreItem xmlns:ds="http://schemas.openxmlformats.org/officeDocument/2006/customXml" ds:itemID="{F990F116-B58F-4255-B05B-DA3808E0E5C6}">
+  <ds:schemaRefs>
+    <ds:schemaRef ds:uri="http://schemas.microsoft.com/office/2006/metadata/properties"/>
+    <ds:schemaRef ds:uri="http://schemas.microsoft.com/office/infopath/2007/PartnerControls"/>
+  </ds:schemaRefs>
+</ds:datastoreItem>
 </file>